--- a/pptx/Referral_Based_Hiring_Model.pptx
+++ b/pptx/Referral_Based_Hiring_Model.pptx
@@ -17,9 +17,13 @@
     <p:sldId id="265" r:id="rId11"/>
     <p:sldId id="266" r:id="rId12"/>
     <p:sldId id="267" r:id="rId13"/>
-    <p:sldId id="268" r:id="rId14"/>
-    <p:sldId id="270" r:id="rId15"/>
-    <p:sldId id="271" r:id="rId16"/>
+    <p:sldId id="272" r:id="rId14"/>
+    <p:sldId id="269" r:id="rId15"/>
+    <p:sldId id="273" r:id="rId16"/>
+    <p:sldId id="274" r:id="rId17"/>
+    <p:sldId id="275" r:id="rId18"/>
+    <p:sldId id="270" r:id="rId19"/>
+    <p:sldId id="271" r:id="rId20"/>
   </p:sldIdLst>
   <p:sldSz cx="9144000" cy="6858000" type="screen4x3"/>
   <p:notesSz cx="6858000" cy="9144000"/>
@@ -316,7 +320,7 @@
           <a:p>
             <a:fld id="{5BCAD085-E8A6-8845-BD4E-CB4CCA059FC4}" type="datetimeFigureOut">
               <a:rPr lang="en-US" smtClean="0"/>
-              <a:t>1/20/26</a:t>
+              <a:t>1/21/26</a:t>
             </a:fld>
             <a:endParaRPr lang="en-US"/>
           </a:p>
@@ -484,7 +488,7 @@
           <a:p>
             <a:fld id="{5BCAD085-E8A6-8845-BD4E-CB4CCA059FC4}" type="datetimeFigureOut">
               <a:rPr lang="en-US" smtClean="0"/>
-              <a:t>1/20/26</a:t>
+              <a:t>1/21/26</a:t>
             </a:fld>
             <a:endParaRPr lang="en-US"/>
           </a:p>
@@ -662,7 +666,7 @@
           <a:p>
             <a:fld id="{5BCAD085-E8A6-8845-BD4E-CB4CCA059FC4}" type="datetimeFigureOut">
               <a:rPr lang="en-US" smtClean="0"/>
-              <a:t>1/20/26</a:t>
+              <a:t>1/21/26</a:t>
             </a:fld>
             <a:endParaRPr lang="en-US"/>
           </a:p>
@@ -830,7 +834,7 @@
           <a:p>
             <a:fld id="{5BCAD085-E8A6-8845-BD4E-CB4CCA059FC4}" type="datetimeFigureOut">
               <a:rPr lang="en-US" smtClean="0"/>
-              <a:t>1/20/26</a:t>
+              <a:t>1/21/26</a:t>
             </a:fld>
             <a:endParaRPr lang="en-US"/>
           </a:p>
@@ -1075,7 +1079,7 @@
           <a:p>
             <a:fld id="{5BCAD085-E8A6-8845-BD4E-CB4CCA059FC4}" type="datetimeFigureOut">
               <a:rPr lang="en-US" smtClean="0"/>
-              <a:t>1/20/26</a:t>
+              <a:t>1/21/26</a:t>
             </a:fld>
             <a:endParaRPr lang="en-US"/>
           </a:p>
@@ -1360,7 +1364,7 @@
           <a:p>
             <a:fld id="{5BCAD085-E8A6-8845-BD4E-CB4CCA059FC4}" type="datetimeFigureOut">
               <a:rPr lang="en-US" smtClean="0"/>
-              <a:t>1/20/26</a:t>
+              <a:t>1/21/26</a:t>
             </a:fld>
             <a:endParaRPr lang="en-US"/>
           </a:p>
@@ -1779,7 +1783,7 @@
           <a:p>
             <a:fld id="{5BCAD085-E8A6-8845-BD4E-CB4CCA059FC4}" type="datetimeFigureOut">
               <a:rPr lang="en-US" smtClean="0"/>
-              <a:t>1/20/26</a:t>
+              <a:t>1/21/26</a:t>
             </a:fld>
             <a:endParaRPr lang="en-US"/>
           </a:p>
@@ -1896,7 +1900,7 @@
           <a:p>
             <a:fld id="{5BCAD085-E8A6-8845-BD4E-CB4CCA059FC4}" type="datetimeFigureOut">
               <a:rPr lang="en-US" smtClean="0"/>
-              <a:t>1/20/26</a:t>
+              <a:t>1/21/26</a:t>
             </a:fld>
             <a:endParaRPr lang="en-US"/>
           </a:p>
@@ -1991,7 +1995,7 @@
           <a:p>
             <a:fld id="{5BCAD085-E8A6-8845-BD4E-CB4CCA059FC4}" type="datetimeFigureOut">
               <a:rPr lang="en-US" smtClean="0"/>
-              <a:t>1/20/26</a:t>
+              <a:t>1/21/26</a:t>
             </a:fld>
             <a:endParaRPr lang="en-US"/>
           </a:p>
@@ -2266,7 +2270,7 @@
           <a:p>
             <a:fld id="{5BCAD085-E8A6-8845-BD4E-CB4CCA059FC4}" type="datetimeFigureOut">
               <a:rPr lang="en-US" smtClean="0"/>
-              <a:t>1/20/26</a:t>
+              <a:t>1/21/26</a:t>
             </a:fld>
             <a:endParaRPr lang="en-US"/>
           </a:p>
@@ -2518,7 +2522,7 @@
           <a:p>
             <a:fld id="{5BCAD085-E8A6-8845-BD4E-CB4CCA059FC4}" type="datetimeFigureOut">
               <a:rPr lang="en-US" smtClean="0"/>
-              <a:t>1/20/26</a:t>
+              <a:t>1/21/26</a:t>
             </a:fld>
             <a:endParaRPr lang="en-US"/>
           </a:p>
@@ -2729,7 +2733,7 @@
           <a:p>
             <a:fld id="{5BCAD085-E8A6-8845-BD4E-CB4CCA059FC4}" type="datetimeFigureOut">
               <a:rPr lang="en-US" smtClean="0"/>
-              <a:t>1/20/26</a:t>
+              <a:t>1/21/26</a:t>
             </a:fld>
             <a:endParaRPr lang="en-US"/>
           </a:p>
@@ -3157,12 +3161,65 @@
               </a:defRPr>
             </a:pPr>
             <a:r>
-              <a:t>Trust, Referrals, and Network Effects</a:t>
-            </a:r>
-          </a:p>
-          <a:p>
-            <a:r>
+              <a:rPr dirty="0"/>
+              <a:t>Trust, Referrals</a:t>
+            </a:r>
+            <a:r>
+              <a:rPr lang="en-US" dirty="0"/>
+              <a:t> as </a:t>
+            </a:r>
+            <a:r>
+              <a:rPr dirty="0"/>
+              <a:t>Network Effects</a:t>
+            </a:r>
+          </a:p>
+          <a:p>
+            <a:r>
+              <a:rPr dirty="0"/>
               <a:t>A Bayesian Approach to Hiring Decisions</a:t>
+            </a:r>
+          </a:p>
+        </p:txBody>
+      </p:sp>
+      <p:sp>
+        <p:nvSpPr>
+          <p:cNvPr id="4" name="TextBox 3">
+            <a:extLst>
+              <a:ext uri="{FF2B5EF4-FFF2-40B4-BE49-F238E27FC236}">
+                <a16:creationId xmlns:a16="http://schemas.microsoft.com/office/drawing/2014/main" id="{3D945336-1CAA-E867-CAE0-5D9EF9B02538}"/>
+              </a:ext>
+            </a:extLst>
+          </p:cNvPr>
+          <p:cNvSpPr txBox="1"/>
+          <p:nvPr/>
+        </p:nvSpPr>
+        <p:spPr>
+          <a:xfrm>
+            <a:off x="2466102" y="619035"/>
+            <a:ext cx="4211795" cy="1200329"/>
+          </a:xfrm>
+          <a:prstGeom prst="rect">
+            <a:avLst/>
+          </a:prstGeom>
+          <a:noFill/>
+        </p:spPr>
+        <p:txBody>
+          <a:bodyPr wrap="none" rtlCol="0">
+            <a:spAutoFit/>
+          </a:bodyPr>
+          <a:lstStyle/>
+          <a:p>
+            <a:pPr algn="ctr"/>
+            <a:r>
+              <a:rPr lang="en-AT" sz="3600" b="1" dirty="0"/>
+              <a:t>Network Fair Process</a:t>
+            </a:r>
+          </a:p>
+          <a:p>
+            <a:pPr algn="ctr"/>
+            <a:r>
+              <a:rPr lang="en-AT" sz="3600" dirty="0"/>
+              <a:t>Group #1</a:t>
             </a:r>
           </a:p>
         </p:txBody>
@@ -3580,7 +3637,7 @@
               <a:defRPr sz="4400"/>
             </a:pPr>
             <a:r>
-              <a:t>How to Use: Decision Rule</a:t>
+              <a:t>Beyond Probabilities: Payoffs</a:t>
             </a:r>
           </a:p>
         </p:txBody>
@@ -3602,13 +3659,12 @@
           <a:p>
             <a:r>
               <a:rPr dirty="0"/>
-              <a:t>Simple decision rule:</a:t>
-            </a:r>
-          </a:p>
-          <a:p>
-            <a:pPr marL="552450" indent="0">
-              <a:buNone/>
-              <a:defRPr sz="2400" b="1">
+              <a:t>Hiring decisions involve costs and benefits:</a:t>
+            </a:r>
+          </a:p>
+          <a:p>
+            <a:pPr>
+              <a:defRPr sz="1800">
                 <a:solidFill>
                   <a:srgbClr val="2ECC71"/>
                 </a:solidFill>
@@ -3616,31 +3672,12 @@
             </a:pPr>
             <a:r>
               <a:rPr dirty="0"/>
-              <a:t>IF </a:t>
-            </a:r>
-            <a:r>
-              <a:rPr dirty="0" err="1"/>
-              <a:t>Pr</a:t>
-            </a:r>
-            <a:r>
-              <a:rPr dirty="0"/>
-              <a:t>(F = good | G, N) &gt; 0.5</a:t>
-            </a:r>
-          </a:p>
-          <a:p>
-            <a:pPr marL="552450" indent="0">
-              <a:buNone/>
-              <a:defRPr sz="2800" b="1"/>
-            </a:pPr>
-            <a:r>
-              <a:rPr dirty="0"/>
-              <a:t>   → HIRE</a:t>
-            </a:r>
-          </a:p>
-          <a:p>
-            <a:pPr marL="552450" indent="0">
-              <a:buNone/>
-              <a:defRPr sz="2400" b="1">
+              <a:t>B = Payoff from hiring a GOOD candidate (e.g., 10)</a:t>
+            </a:r>
+          </a:p>
+          <a:p>
+            <a:pPr>
+              <a:defRPr sz="1800">
                 <a:solidFill>
                   <a:srgbClr val="E74C3C"/>
                 </a:solidFill>
@@ -3648,21 +3685,61 @@
             </a:pPr>
             <a:r>
               <a:rPr dirty="0"/>
-              <a:t>ELSE</a:t>
-            </a:r>
-          </a:p>
-          <a:p>
-            <a:pPr marL="552450" indent="0">
-              <a:buNone/>
-              <a:defRPr sz="2800" b="1"/>
+              <a:t>b = Payoff from hiring a BAD candidate (e.g., -2)</a:t>
+            </a:r>
+          </a:p>
+          <a:p>
+            <a:pPr>
+              <a:defRPr sz="1800">
+                <a:solidFill>
+                  <a:srgbClr val="3498DB"/>
+                </a:solidFill>
+              </a:defRPr>
             </a:pPr>
             <a:r>
               <a:rPr dirty="0"/>
-              <a:t>   → REJECT</a:t>
-            </a:r>
-          </a:p>
-        </p:txBody>
-      </p:sp>
+              <a:t>w = Applicant payoff if hired (e.g., 5)</a:t>
+            </a:r>
+          </a:p>
+          <a:p>
+            <a:pPr>
+              <a:defRPr sz="2000" b="1">
+                <a:solidFill>
+                  <a:srgbClr val="003366"/>
+                </a:solidFill>
+              </a:defRPr>
+            </a:pPr>
+            <a:r>
+              <a:rPr dirty="0"/>
+              <a:t>Key insight: Bad hires can have negative payoffs!</a:t>
+            </a:r>
+          </a:p>
+        </p:txBody>
+      </p:sp>
+      <p:pic>
+        <p:nvPicPr>
+          <p:cNvPr id="4" name="Picture 3" descr="temp_payoffs_fof.png"/>
+          <p:cNvPicPr>
+            <a:picLocks noChangeAspect="1"/>
+          </p:cNvPicPr>
+          <p:nvPr/>
+        </p:nvPicPr>
+        <p:blipFill>
+          <a:blip r:embed="rId2"/>
+          <a:stretch>
+            <a:fillRect/>
+          </a:stretch>
+        </p:blipFill>
+        <p:spPr>
+          <a:xfrm>
+            <a:off x="457200" y="3200400"/>
+            <a:ext cx="8229600" cy="2743200"/>
+          </a:xfrm>
+          <a:prstGeom prst="rect">
+            <a:avLst/>
+          </a:prstGeom>
+        </p:spPr>
+      </p:pic>
     </p:spTree>
   </p:cSld>
   <p:clrMapOvr>
@@ -3707,7 +3784,7 @@
               <a:defRPr sz="4400"/>
             </a:pPr>
             <a:r>
-              <a:t>Summary</a:t>
+              <a:t>Expected Payoff Calculation</a:t>
             </a:r>
           </a:p>
         </p:txBody>
@@ -3724,86 +3801,109 @@
         </p:nvSpPr>
         <p:spPr/>
         <p:txBody>
-          <a:bodyPr/>
-          <a:lstStyle/>
+          <a:bodyPr>
+            <a:normAutofit/>
+          </a:bodyPr>
+          <a:lstStyle/>
+          <a:p>
+            <a:r>
+              <a:rPr sz="3000" dirty="0"/>
+              <a:t>Expected Payoff = Weighted average of possible outcomes:</a:t>
+            </a:r>
+          </a:p>
+          <a:p>
+            <a:pPr marL="0" indent="0" algn="ctr">
+              <a:buNone/>
+              <a:defRPr sz="2200" b="1">
+                <a:solidFill>
+                  <a:srgbClr val="003366"/>
+                </a:solidFill>
+              </a:defRPr>
+            </a:pPr>
+            <a:r>
+              <a:rPr sz="3000" dirty="0"/>
+              <a:t>E[Payoff] = B × </a:t>
+            </a:r>
+            <a:r>
+              <a:rPr sz="3000" dirty="0" err="1"/>
+              <a:t>Pr</a:t>
+            </a:r>
+            <a:r>
+              <a:rPr sz="3000" dirty="0"/>
+              <a:t>(Good) + b × </a:t>
+            </a:r>
+            <a:r>
+              <a:rPr sz="3000" dirty="0" err="1"/>
+              <a:t>Pr</a:t>
+            </a:r>
+            <a:r>
+              <a:rPr sz="3000" dirty="0"/>
+              <a:t>(Bad)</a:t>
+            </a:r>
+          </a:p>
           <a:p>
             <a:pPr>
-              <a:spcAft>
-                <a:spcPts val="1200"/>
-              </a:spcAft>
-              <a:defRPr sz="2200" b="1"/>
-            </a:pPr>
-            <a:r>
-              <a:rPr dirty="0"/>
-              <a:t>Start with prior belief about candidate quality</a:t>
+              <a:defRPr sz="1800"/>
+            </a:pPr>
+            <a:r>
+              <a:rPr sz="3000" dirty="0"/>
+              <a:t>Or equivalently:</a:t>
+            </a:r>
+          </a:p>
+          <a:p>
+            <a:pPr marL="0" indent="0" algn="ctr">
+              <a:buNone/>
+              <a:defRPr sz="2000" b="1"/>
+            </a:pPr>
+            <a:r>
+              <a:rPr sz="3000" dirty="0"/>
+              <a:t>E[Payoff] = b + (B - b) × </a:t>
+            </a:r>
+            <a:r>
+              <a:rPr sz="3000" dirty="0" err="1"/>
+              <a:t>Pr</a:t>
+            </a:r>
+            <a:r>
+              <a:rPr sz="3000" dirty="0"/>
+              <a:t>(Good)</a:t>
             </a:r>
           </a:p>
           <a:p>
             <a:pPr>
-              <a:spcAft>
-                <a:spcPts val="1200"/>
-              </a:spcAft>
-              <a:defRPr sz="2200" b="1"/>
-            </a:pPr>
-            <a:r>
-              <a:rPr dirty="0"/>
-              <a:t>Observe two referrals (R1, R2) and trust (T1, T2)</a:t>
-            </a:r>
-          </a:p>
-          <a:p>
-            <a:pPr>
-              <a:spcAft>
-                <a:spcPts val="1200"/>
-              </a:spcAft>
-              <a:defRPr sz="2200" b="1"/>
-            </a:pPr>
-            <a:r>
-              <a:rPr dirty="0"/>
-              <a:t>Select referral based on trust (trust overrides quality!)</a:t>
-            </a:r>
-          </a:p>
-          <a:p>
-            <a:pPr>
-              <a:spcAft>
-                <a:spcPts val="1200"/>
-              </a:spcAft>
-              <a:defRPr sz="2200" b="1"/>
-            </a:pPr>
-            <a:r>
-              <a:rPr dirty="0"/>
-              <a:t>Network effect G = selected referral quality</a:t>
-            </a:r>
-          </a:p>
-          <a:p>
-            <a:pPr>
-              <a:spcAft>
-                <a:spcPts val="1200"/>
-              </a:spcAft>
-              <a:defRPr sz="2200" b="1"/>
-            </a:pPr>
-            <a:r>
-              <a:rPr dirty="0"/>
-              <a:t>Use Bayes' theorem to get </a:t>
-            </a:r>
-            <a:r>
-              <a:rPr dirty="0" err="1"/>
+              <a:defRPr sz="1800"/>
+            </a:pPr>
+            <a:r>
+              <a:rPr sz="3000" dirty="0"/>
+              <a:t>Example: </a:t>
+            </a:r>
+            <a:br>
+              <a:rPr lang="en-US" sz="3000" dirty="0"/>
+            </a:br>
+            <a:r>
+              <a:rPr sz="3000" dirty="0"/>
+              <a:t>If </a:t>
+            </a:r>
+            <a:r>
+              <a:rPr sz="3000" dirty="0" err="1"/>
               <a:t>Pr</a:t>
             </a:r>
             <a:r>
-              <a:rPr dirty="0"/>
-              <a:t>(F = good | G, N)</a:t>
-            </a:r>
-          </a:p>
-          <a:p>
-            <a:pPr>
-              <a:spcAft>
-                <a:spcPts val="1200"/>
-              </a:spcAft>
-              <a:defRPr sz="2200" b="1"/>
-            </a:pPr>
-            <a:r>
-              <a:rPr dirty="0"/>
-              <a:t>Make hiring decision based on probability</a:t>
+              <a:rPr sz="3000" dirty="0"/>
+              <a:t>(Good) = 0.6, B = 10, b = -2</a:t>
+            </a:r>
+          </a:p>
+          <a:p>
+            <a:pPr marL="0" indent="0" algn="ctr">
+              <a:buNone/>
+              <a:defRPr sz="1800" b="1">
+                <a:solidFill>
+                  <a:srgbClr val="2ECC71"/>
+                </a:solidFill>
+              </a:defRPr>
+            </a:pPr>
+            <a:r>
+              <a:rPr sz="3000" dirty="0"/>
+              <a:t>E[Payoff] = -2 + (10 - (-2)) × 0.6 = 5.2</a:t>
             </a:r>
           </a:p>
         </p:txBody>
@@ -3817,6 +3917,658 @@
 </file>
 
 <file path=ppt/slides/slide15.xml><?xml version="1.0" encoding="utf-8"?>
+<p:sld xmlns:a="http://schemas.openxmlformats.org/drawingml/2006/main" xmlns:r="http://schemas.openxmlformats.org/officeDocument/2006/relationships" xmlns:p="http://schemas.openxmlformats.org/presentationml/2006/main">
+  <p:cSld>
+    <p:spTree>
+      <p:nvGrpSpPr>
+        <p:cNvPr id="1" name=""/>
+        <p:cNvGrpSpPr/>
+        <p:nvPr/>
+      </p:nvGrpSpPr>
+      <p:grpSpPr>
+        <a:xfrm>
+          <a:off x="0" y="0"/>
+          <a:ext cx="0" cy="0"/>
+          <a:chOff x="0" y="0"/>
+          <a:chExt cx="0" cy="0"/>
+        </a:xfrm>
+      </p:grpSpPr>
+      <p:sp>
+        <p:nvSpPr>
+          <p:cNvPr id="2" name="Title 1"/>
+          <p:cNvSpPr>
+            <a:spLocks noGrp="1"/>
+          </p:cNvSpPr>
+          <p:nvPr>
+            <p:ph type="title"/>
+          </p:nvPr>
+        </p:nvSpPr>
+        <p:spPr/>
+        <p:txBody>
+          <a:bodyPr/>
+          <a:lstStyle/>
+          <a:p>
+            <a:pPr>
+              <a:defRPr sz="4400"/>
+            </a:pPr>
+            <a:r>
+              <a:t>Expected Payoff: Real Examples</a:t>
+            </a:r>
+          </a:p>
+        </p:txBody>
+      </p:sp>
+      <p:sp>
+        <p:nvSpPr>
+          <p:cNvPr id="3" name="Content Placeholder 2"/>
+          <p:cNvSpPr>
+            <a:spLocks noGrp="1"/>
+          </p:cNvSpPr>
+          <p:nvPr>
+            <p:ph idx="1"/>
+          </p:nvPr>
+        </p:nvSpPr>
+        <p:spPr/>
+        <p:txBody>
+          <a:bodyPr/>
+          <a:lstStyle/>
+          <a:p>
+            <a:endParaRPr/>
+          </a:p>
+        </p:txBody>
+      </p:sp>
+      <p:pic>
+        <p:nvPicPr>
+          <p:cNvPr id="4" name="Picture 3" descr="temp_expected_payoff_fof.png"/>
+          <p:cNvPicPr>
+            <a:picLocks noChangeAspect="1"/>
+          </p:cNvPicPr>
+          <p:nvPr/>
+        </p:nvPicPr>
+        <p:blipFill>
+          <a:blip r:embed="rId2"/>
+          <a:stretch>
+            <a:fillRect/>
+          </a:stretch>
+        </p:blipFill>
+        <p:spPr>
+          <a:xfrm>
+            <a:off x="457200" y="1371600"/>
+            <a:ext cx="8229600" cy="4572000"/>
+          </a:xfrm>
+          <a:prstGeom prst="rect">
+            <a:avLst/>
+          </a:prstGeom>
+        </p:spPr>
+      </p:pic>
+    </p:spTree>
+  </p:cSld>
+  <p:clrMapOvr>
+    <a:masterClrMapping/>
+  </p:clrMapOvr>
+</p:sld>
+</file>
+
+<file path=ppt/slides/slide16.xml><?xml version="1.0" encoding="utf-8"?>
+<p:sld xmlns:a="http://schemas.openxmlformats.org/drawingml/2006/main" xmlns:r="http://schemas.openxmlformats.org/officeDocument/2006/relationships" xmlns:p="http://schemas.openxmlformats.org/presentationml/2006/main">
+  <p:cSld>
+    <p:spTree>
+      <p:nvGrpSpPr>
+        <p:cNvPr id="1" name=""/>
+        <p:cNvGrpSpPr/>
+        <p:nvPr/>
+      </p:nvGrpSpPr>
+      <p:grpSpPr>
+        <a:xfrm>
+          <a:off x="0" y="0"/>
+          <a:ext cx="0" cy="0"/>
+          <a:chOff x="0" y="0"/>
+          <a:chExt cx="0" cy="0"/>
+        </a:xfrm>
+      </p:grpSpPr>
+      <p:sp>
+        <p:nvSpPr>
+          <p:cNvPr id="2" name="Title 1"/>
+          <p:cNvSpPr>
+            <a:spLocks noGrp="1"/>
+          </p:cNvSpPr>
+          <p:nvPr>
+            <p:ph type="title"/>
+          </p:nvPr>
+        </p:nvSpPr>
+        <p:spPr/>
+        <p:txBody>
+          <a:bodyPr/>
+          <a:lstStyle/>
+          <a:p>
+            <a:pPr>
+              <a:defRPr sz="4400"/>
+            </a:pPr>
+            <a:r>
+              <a:t>Two Decision Approaches</a:t>
+            </a:r>
+          </a:p>
+        </p:txBody>
+      </p:sp>
+      <p:sp>
+        <p:nvSpPr>
+          <p:cNvPr id="3" name="Content Placeholder 2"/>
+          <p:cNvSpPr>
+            <a:spLocks noGrp="1"/>
+          </p:cNvSpPr>
+          <p:nvPr>
+            <p:ph idx="1"/>
+          </p:nvPr>
+        </p:nvSpPr>
+        <p:spPr/>
+        <p:txBody>
+          <a:bodyPr>
+            <a:noAutofit/>
+          </a:bodyPr>
+          <a:lstStyle/>
+          <a:p>
+            <a:r>
+              <a:rPr sz="2800" b="1" dirty="0"/>
+              <a:t>Approach 1: Probability-Based</a:t>
+            </a:r>
+          </a:p>
+          <a:p>
+            <a:pPr marL="889000" indent="-336550">
+              <a:defRPr sz="2000" b="1">
+                <a:solidFill>
+                  <a:srgbClr val="2ECC71"/>
+                </a:solidFill>
+              </a:defRPr>
+            </a:pPr>
+            <a:r>
+              <a:rPr sz="2000" dirty="0"/>
+              <a:t>IF </a:t>
+            </a:r>
+            <a:r>
+              <a:rPr sz="2000" dirty="0" err="1"/>
+              <a:t>Pr</a:t>
+            </a:r>
+            <a:r>
+              <a:rPr sz="2000" dirty="0"/>
+              <a:t>(F = good | G, N) &gt; 0.5 → HIRE</a:t>
+            </a:r>
+          </a:p>
+          <a:p>
+            <a:pPr marL="889000" indent="-336550">
+              <a:defRPr sz="2000" b="1">
+                <a:solidFill>
+                  <a:srgbClr val="E74C3C"/>
+                </a:solidFill>
+              </a:defRPr>
+            </a:pPr>
+            <a:r>
+              <a:rPr sz="2000" dirty="0"/>
+              <a:t>ELSE → REJECT</a:t>
+            </a:r>
+          </a:p>
+          <a:p>
+            <a:pPr marL="889000" indent="-336550">
+              <a:defRPr sz="1800"/>
+            </a:pPr>
+            <a:r>
+              <a:rPr sz="2000" dirty="0"/>
+              <a:t>✓ Simple and intuitive</a:t>
+            </a:r>
+          </a:p>
+          <a:p>
+            <a:pPr marL="889000" indent="-336550">
+              <a:defRPr sz="1800"/>
+            </a:pPr>
+            <a:r>
+              <a:rPr sz="2000" dirty="0"/>
+              <a:t>✗ Assumes symmetric costs</a:t>
+            </a:r>
+            <a:endParaRPr lang="en-US" sz="2000" dirty="0"/>
+          </a:p>
+          <a:p>
+            <a:pPr marL="889000" indent="-336550">
+              <a:defRPr sz="1800"/>
+            </a:pPr>
+            <a:endParaRPr sz="2800" dirty="0"/>
+          </a:p>
+          <a:p>
+            <a:pPr>
+              <a:defRPr sz="2000" b="1">
+                <a:solidFill>
+                  <a:srgbClr val="003366"/>
+                </a:solidFill>
+              </a:defRPr>
+            </a:pPr>
+            <a:r>
+              <a:rPr sz="2800" dirty="0"/>
+              <a:t>Approach 2: Payoff-Based</a:t>
+            </a:r>
+          </a:p>
+          <a:p>
+            <a:pPr marL="889000" indent="-336550">
+              <a:defRPr sz="2000" b="1">
+                <a:solidFill>
+                  <a:srgbClr val="2ECC71"/>
+                </a:solidFill>
+              </a:defRPr>
+            </a:pPr>
+            <a:r>
+              <a:rPr sz="2000" dirty="0"/>
+              <a:t>IF E[Payoff] &gt; 0 → HIRE</a:t>
+            </a:r>
+          </a:p>
+          <a:p>
+            <a:pPr marL="889000" indent="-336550">
+              <a:defRPr sz="2000" b="1">
+                <a:solidFill>
+                  <a:srgbClr val="E74C3C"/>
+                </a:solidFill>
+              </a:defRPr>
+            </a:pPr>
+            <a:r>
+              <a:rPr sz="2000" dirty="0"/>
+              <a:t>ELSE → REJECT</a:t>
+            </a:r>
+          </a:p>
+          <a:p>
+            <a:pPr marL="889000" indent="-336550">
+              <a:defRPr sz="1800"/>
+            </a:pPr>
+            <a:r>
+              <a:rPr sz="2000" dirty="0"/>
+              <a:t>✓ Accounts for different costs/benefits</a:t>
+            </a:r>
+          </a:p>
+          <a:p>
+            <a:pPr marL="889000" indent="-336550">
+              <a:defRPr sz="1800"/>
+            </a:pPr>
+            <a:r>
+              <a:rPr sz="2000" dirty="0"/>
+              <a:t>✓ More realistic for actual decisions</a:t>
+            </a:r>
+          </a:p>
+          <a:p>
+            <a:pPr marL="889000" indent="-336550">
+              <a:defRPr sz="1800"/>
+            </a:pPr>
+            <a:r>
+              <a:rPr sz="2000" dirty="0"/>
+              <a:t>✓ Handles negative payoffs from bad hires</a:t>
+            </a:r>
+          </a:p>
+        </p:txBody>
+      </p:sp>
+    </p:spTree>
+  </p:cSld>
+  <p:clrMapOvr>
+    <a:masterClrMapping/>
+  </p:clrMapOvr>
+</p:sld>
+</file>
+
+<file path=ppt/slides/slide17.xml><?xml version="1.0" encoding="utf-8"?>
+<p:sld xmlns:a="http://schemas.openxmlformats.org/drawingml/2006/main" xmlns:r="http://schemas.openxmlformats.org/officeDocument/2006/relationships" xmlns:p="http://schemas.openxmlformats.org/presentationml/2006/main">
+  <p:cSld>
+    <p:spTree>
+      <p:nvGrpSpPr>
+        <p:cNvPr id="1" name=""/>
+        <p:cNvGrpSpPr/>
+        <p:nvPr/>
+      </p:nvGrpSpPr>
+      <p:grpSpPr>
+        <a:xfrm>
+          <a:off x="0" y="0"/>
+          <a:ext cx="0" cy="0"/>
+          <a:chOff x="0" y="0"/>
+          <a:chExt cx="0" cy="0"/>
+        </a:xfrm>
+      </p:grpSpPr>
+      <p:sp>
+        <p:nvSpPr>
+          <p:cNvPr id="2" name="Title 1"/>
+          <p:cNvSpPr>
+            <a:spLocks noGrp="1"/>
+          </p:cNvSpPr>
+          <p:nvPr>
+            <p:ph type="title"/>
+          </p:nvPr>
+        </p:nvSpPr>
+        <p:spPr/>
+        <p:txBody>
+          <a:bodyPr/>
+          <a:lstStyle/>
+          <a:p>
+            <a:pPr>
+              <a:defRPr sz="4400"/>
+            </a:pPr>
+            <a:r>
+              <a:t>When Do Decisions Differ?</a:t>
+            </a:r>
+          </a:p>
+        </p:txBody>
+      </p:sp>
+      <p:sp>
+        <p:nvSpPr>
+          <p:cNvPr id="3" name="Content Placeholder 2"/>
+          <p:cNvSpPr>
+            <a:spLocks noGrp="1"/>
+          </p:cNvSpPr>
+          <p:nvPr>
+            <p:ph idx="1"/>
+          </p:nvPr>
+        </p:nvSpPr>
+        <p:spPr/>
+        <p:txBody>
+          <a:bodyPr>
+            <a:noAutofit/>
+          </a:bodyPr>
+          <a:lstStyle/>
+          <a:p>
+            <a:r>
+              <a:rPr sz="2500" dirty="0"/>
+              <a:t>Example: Candidate with </a:t>
+            </a:r>
+            <a:r>
+              <a:rPr sz="2500" dirty="0" err="1"/>
+              <a:t>Pr</a:t>
+            </a:r>
+            <a:r>
+              <a:rPr sz="2500" dirty="0"/>
+              <a:t>(Good) = 0.55</a:t>
+            </a:r>
+          </a:p>
+          <a:p>
+            <a:pPr marL="987425" indent="-336550">
+              <a:defRPr sz="1800">
+                <a:solidFill>
+                  <a:srgbClr val="2ECC71"/>
+                </a:solidFill>
+              </a:defRPr>
+            </a:pPr>
+            <a:r>
+              <a:rPr sz="1800" dirty="0"/>
+              <a:t>Probability-based: HIRE (55% &gt; 50%)</a:t>
+            </a:r>
+          </a:p>
+          <a:p>
+            <a:pPr marL="987425" indent="-336550"/>
+            <a:endParaRPr sz="1800" dirty="0"/>
+          </a:p>
+          <a:p>
+            <a:pPr marL="987425" indent="-336550">
+              <a:defRPr sz="1800"/>
+            </a:pPr>
+            <a:r>
+              <a:rPr sz="1800" dirty="0"/>
+              <a:t>Payoff-based (B=10, b=-2):</a:t>
+            </a:r>
+          </a:p>
+          <a:p>
+            <a:pPr marL="987425" indent="-336550">
+              <a:defRPr sz="1800" b="1"/>
+            </a:pPr>
+            <a:r>
+              <a:rPr sz="1800" dirty="0"/>
+              <a:t>E[Payoff] = -2 + 12 × 0.55 = 4.6 &gt; 0 → HIRE</a:t>
+            </a:r>
+          </a:p>
+          <a:p>
+            <a:pPr marL="987425" indent="-336550"/>
+            <a:endParaRPr sz="1800" dirty="0"/>
+          </a:p>
+          <a:p>
+            <a:pPr marL="987425" indent="-336550">
+              <a:defRPr sz="1800"/>
+            </a:pPr>
+            <a:r>
+              <a:rPr sz="1800" dirty="0"/>
+              <a:t>Payoff-based (B=10, b=-10):</a:t>
+            </a:r>
+          </a:p>
+          <a:p>
+            <a:pPr marL="987425" indent="-336550">
+              <a:defRPr sz="1800" b="1"/>
+            </a:pPr>
+            <a:r>
+              <a:rPr sz="1800" dirty="0"/>
+              <a:t>E[Payoff] = -10 + 20 × 0.55 = 1 &gt; 0 → HIRE</a:t>
+            </a:r>
+          </a:p>
+          <a:p>
+            <a:pPr marL="987425" indent="-336550"/>
+            <a:endParaRPr sz="1800" dirty="0"/>
+          </a:p>
+          <a:p>
+            <a:pPr marL="987425" indent="-336550">
+              <a:defRPr sz="1800"/>
+            </a:pPr>
+            <a:r>
+              <a:rPr sz="1800" dirty="0"/>
+              <a:t>Payoff-based (B=10, b=-30):</a:t>
+            </a:r>
+          </a:p>
+          <a:p>
+            <a:pPr marL="987425" indent="-336550">
+              <a:defRPr sz="1800" b="1">
+                <a:solidFill>
+                  <a:srgbClr val="E74C3C"/>
+                </a:solidFill>
+              </a:defRPr>
+            </a:pPr>
+            <a:r>
+              <a:rPr sz="1800" dirty="0"/>
+              <a:t>E[Payoff] = -30 + 40 × 0.55 = -8 &lt; 0 → REJECT</a:t>
+            </a:r>
+          </a:p>
+          <a:p>
+            <a:pPr>
+              <a:defRPr sz="1800" b="1">
+                <a:solidFill>
+                  <a:srgbClr val="003366"/>
+                </a:solidFill>
+              </a:defRPr>
+            </a:pPr>
+            <a:endParaRPr lang="en-US" sz="2500" dirty="0"/>
+          </a:p>
+          <a:p>
+            <a:pPr>
+              <a:defRPr sz="1800" b="1">
+                <a:solidFill>
+                  <a:srgbClr val="003366"/>
+                </a:solidFill>
+              </a:defRPr>
+            </a:pPr>
+            <a:r>
+              <a:rPr sz="2500" dirty="0"/>
+              <a:t>Key insight: High cost of bad hires makes us more conservative!</a:t>
+            </a:r>
+          </a:p>
+        </p:txBody>
+      </p:sp>
+    </p:spTree>
+  </p:cSld>
+  <p:clrMapOvr>
+    <a:masterClrMapping/>
+  </p:clrMapOvr>
+</p:sld>
+</file>
+
+<file path=ppt/slides/slide18.xml><?xml version="1.0" encoding="utf-8"?>
+<p:sld xmlns:a="http://schemas.openxmlformats.org/drawingml/2006/main" xmlns:r="http://schemas.openxmlformats.org/officeDocument/2006/relationships" xmlns:p="http://schemas.openxmlformats.org/presentationml/2006/main">
+  <p:cSld>
+    <p:spTree>
+      <p:nvGrpSpPr>
+        <p:cNvPr id="1" name=""/>
+        <p:cNvGrpSpPr/>
+        <p:nvPr/>
+      </p:nvGrpSpPr>
+      <p:grpSpPr>
+        <a:xfrm>
+          <a:off x="0" y="0"/>
+          <a:ext cx="0" cy="0"/>
+          <a:chOff x="0" y="0"/>
+          <a:chExt cx="0" cy="0"/>
+        </a:xfrm>
+      </p:grpSpPr>
+      <p:sp>
+        <p:nvSpPr>
+          <p:cNvPr id="2" name="Title 1"/>
+          <p:cNvSpPr>
+            <a:spLocks noGrp="1"/>
+          </p:cNvSpPr>
+          <p:nvPr>
+            <p:ph type="title"/>
+          </p:nvPr>
+        </p:nvSpPr>
+        <p:spPr/>
+        <p:txBody>
+          <a:bodyPr/>
+          <a:lstStyle/>
+          <a:p>
+            <a:pPr>
+              <a:defRPr sz="4400"/>
+            </a:pPr>
+            <a:r>
+              <a:t>Summary</a:t>
+            </a:r>
+          </a:p>
+        </p:txBody>
+      </p:sp>
+      <p:sp>
+        <p:nvSpPr>
+          <p:cNvPr id="3" name="Content Placeholder 2"/>
+          <p:cNvSpPr>
+            <a:spLocks noGrp="1"/>
+          </p:cNvSpPr>
+          <p:nvPr>
+            <p:ph idx="1"/>
+          </p:nvPr>
+        </p:nvSpPr>
+        <p:spPr/>
+        <p:txBody>
+          <a:bodyPr/>
+          <a:lstStyle/>
+          <a:p>
+            <a:pPr>
+              <a:spcAft>
+                <a:spcPts val="1200"/>
+              </a:spcAft>
+              <a:defRPr sz="2200" b="1"/>
+            </a:pPr>
+            <a:r>
+              <a:rPr dirty="0"/>
+              <a:t>Start with prior belief about candidate quality</a:t>
+            </a:r>
+          </a:p>
+          <a:p>
+            <a:pPr>
+              <a:spcAft>
+                <a:spcPts val="1200"/>
+              </a:spcAft>
+              <a:defRPr sz="2200" b="1"/>
+            </a:pPr>
+            <a:r>
+              <a:rPr dirty="0"/>
+              <a:t>Observe two referrals (R1, R2) and trust (T1, T2)</a:t>
+            </a:r>
+          </a:p>
+          <a:p>
+            <a:pPr>
+              <a:spcAft>
+                <a:spcPts val="1200"/>
+              </a:spcAft>
+              <a:defRPr sz="2200" b="1"/>
+            </a:pPr>
+            <a:r>
+              <a:rPr dirty="0"/>
+              <a:t>Select referral based on trust (trust overrides quality!)</a:t>
+            </a:r>
+          </a:p>
+          <a:p>
+            <a:pPr>
+              <a:spcAft>
+                <a:spcPts val="1200"/>
+              </a:spcAft>
+              <a:defRPr sz="2200" b="1"/>
+            </a:pPr>
+            <a:r>
+              <a:rPr dirty="0"/>
+              <a:t>Network effect G = selected referral quality</a:t>
+            </a:r>
+          </a:p>
+          <a:p>
+            <a:pPr>
+              <a:spcAft>
+                <a:spcPts val="1200"/>
+              </a:spcAft>
+              <a:defRPr sz="2200" b="1"/>
+            </a:pPr>
+            <a:r>
+              <a:rPr dirty="0"/>
+              <a:t>Use Bayes' theorem to get </a:t>
+            </a:r>
+            <a:r>
+              <a:rPr dirty="0" err="1"/>
+              <a:t>Pr</a:t>
+            </a:r>
+            <a:r>
+              <a:rPr dirty="0"/>
+              <a:t>(F = good | G, N)</a:t>
+            </a:r>
+            <a:endParaRPr lang="en-US" dirty="0"/>
+          </a:p>
+          <a:p>
+            <a:pPr>
+              <a:spcAft>
+                <a:spcPts val="1200"/>
+              </a:spcAft>
+              <a:defRPr sz="2200" b="1"/>
+            </a:pPr>
+            <a:r>
+              <a:rPr lang="en-GB" dirty="0"/>
+              <a:t>Compute expected payoff: E[Payoff] = B × </a:t>
+            </a:r>
+            <a:r>
+              <a:rPr lang="en-GB" dirty="0" err="1"/>
+              <a:t>Pr</a:t>
+            </a:r>
+            <a:r>
+              <a:rPr lang="en-GB" dirty="0"/>
+              <a:t>(Good) + b × </a:t>
+            </a:r>
+            <a:r>
+              <a:rPr lang="en-GB" dirty="0" err="1"/>
+              <a:t>Pr</a:t>
+            </a:r>
+            <a:r>
+              <a:rPr lang="en-GB" dirty="0"/>
+              <a:t>(Bad)</a:t>
+            </a:r>
+            <a:endParaRPr dirty="0"/>
+          </a:p>
+          <a:p>
+            <a:pPr>
+              <a:spcAft>
+                <a:spcPts val="1200"/>
+              </a:spcAft>
+              <a:defRPr sz="2200" b="1"/>
+            </a:pPr>
+            <a:r>
+              <a:rPr dirty="0"/>
+              <a:t>Make hiring decision based on probability</a:t>
+            </a:r>
+          </a:p>
+        </p:txBody>
+      </p:sp>
+    </p:spTree>
+  </p:cSld>
+  <p:clrMapOvr>
+    <a:masterClrMapping/>
+  </p:clrMapOvr>
+</p:sld>
+</file>
+
+<file path=ppt/slides/slide19.xml><?xml version="1.0" encoding="utf-8"?>
 <p:sld xmlns:a="http://schemas.openxmlformats.org/drawingml/2006/main" xmlns:r="http://schemas.openxmlformats.org/officeDocument/2006/relationships" xmlns:p="http://schemas.openxmlformats.org/presentationml/2006/main">
   <p:cSld>
     <p:spTree>
@@ -4740,7 +5492,11 @@
               </a:defRPr>
             </a:pPr>
             <a:r>
-              <a:rPr dirty="0"/>
+              <a:rPr dirty="0">
+                <a:solidFill>
+                  <a:srgbClr val="C00000"/>
+                </a:solidFill>
+              </a:rPr>
               <a:t>Trust both → Use WORST referral (conservative!)</a:t>
             </a:r>
           </a:p>
@@ -4749,15 +5505,27 @@
               <a:defRPr sz="1800"/>
             </a:pPr>
             <a:r>
-              <a:rPr dirty="0"/>
+              <a:rPr dirty="0">
+                <a:solidFill>
+                  <a:srgbClr val="C00000"/>
+                </a:solidFill>
+              </a:rPr>
               <a:t>Trust neither → Use </a:t>
             </a:r>
             <a:r>
-              <a:rPr lang="en-US" dirty="0"/>
+              <a:rPr lang="en-US" dirty="0">
+                <a:solidFill>
+                  <a:srgbClr val="C00000"/>
+                </a:solidFill>
+              </a:rPr>
               <a:t>WORST</a:t>
             </a:r>
             <a:r>
-              <a:rPr dirty="0"/>
+              <a:rPr dirty="0">
+                <a:solidFill>
+                  <a:srgbClr val="C00000"/>
+                </a:solidFill>
+              </a:rPr>
               <a:t> referral</a:t>
             </a:r>
           </a:p>
@@ -4834,16 +5602,19 @@
         </p:nvSpPr>
         <p:spPr/>
         <p:txBody>
-          <a:bodyPr/>
+          <a:bodyPr>
+            <a:normAutofit/>
+          </a:bodyPr>
           <a:lstStyle/>
           <a:p>
             <a:r>
               <a:rPr dirty="0"/>
-              <a:t>Key insight: Network effect IS the referral quality!</a:t>
-            </a:r>
-          </a:p>
-          <a:p>
-            <a:pPr>
+              <a:t>Network effect IS the referral quality!</a:t>
+            </a:r>
+            <a:endParaRPr lang="en-GB" dirty="0"/>
+          </a:p>
+          <a:p>
+            <a:pPr lvl="1">
               <a:defRPr sz="2400" b="1">
                 <a:solidFill>
                   <a:srgbClr val="003366"/>
@@ -4851,35 +5622,39 @@
               </a:defRPr>
             </a:pPr>
             <a:r>
+              <a:rPr lang="en-GB" sz="2000" dirty="0"/>
+              <a:t>G = Selected Referral Quality</a:t>
+            </a:r>
+          </a:p>
+          <a:p>
+            <a:pPr lvl="1">
+              <a:defRPr sz="1800"/>
+            </a:pPr>
+            <a:r>
+              <a:rPr sz="2400" dirty="0"/>
+              <a:t>No mapping needed - they are the same!</a:t>
+            </a:r>
+          </a:p>
+          <a:p>
+            <a:pPr lvl="2">
+              <a:defRPr sz="1800"/>
+            </a:pPr>
+            <a:r>
+              <a:rPr sz="2000" dirty="0"/>
+              <a:t>If selected referral is 'Excellent' → G = Excellent</a:t>
+            </a:r>
+          </a:p>
+          <a:p>
+            <a:pPr lvl="2">
+              <a:defRPr sz="1800"/>
+            </a:pPr>
+            <a:r>
+              <a:rPr sz="2000" dirty="0"/>
+              <a:t>If selected </a:t>
+            </a:r>
+            <a:r>
               <a:rPr dirty="0"/>
-              <a:t>G = Selected Referral Quality</a:t>
-            </a:r>
-          </a:p>
-          <a:p>
-            <a:pPr>
-              <a:defRPr sz="1800"/>
-            </a:pPr>
-            <a:r>
-              <a:rPr dirty="0"/>
-              <a:t>No mapping needed - they are the same!</a:t>
-            </a:r>
-          </a:p>
-          <a:p>
-            <a:pPr>
-              <a:defRPr sz="1800"/>
-            </a:pPr>
-            <a:r>
-              <a:rPr dirty="0"/>
-              <a:t>If selected referral is 'Excellent' → G = Excellent</a:t>
-            </a:r>
-          </a:p>
-          <a:p>
-            <a:pPr>
-              <a:defRPr sz="1800"/>
-            </a:pPr>
-            <a:r>
-              <a:rPr dirty="0"/>
-              <a:t>If selected referral is 'Very Bad' → G = Very Bad</a:t>
+              <a:t>referral is 'Very Bad' → G = Very Bad</a:t>
             </a:r>
           </a:p>
         </p:txBody>
@@ -5159,7 +5934,15 @@
             </a:r>
             <a:r>
               <a:rPr dirty="0"/>
-              <a:t>    ─────────────────────────────</a:t>
+              <a:t> </a:t>
+            </a:r>
+            <a:r>
+              <a:rPr lang="en-US" dirty="0"/>
+              <a:t>     </a:t>
+            </a:r>
+            <a:r>
+              <a:rPr dirty="0"/>
+              <a:t>   ──────────────────────────</a:t>
             </a:r>
           </a:p>
           <a:p>

--- a/pptx/Referral_Based_Hiring_Model.pptx
+++ b/pptx/Referral_Based_Hiring_Model.pptx
@@ -15,15 +15,16 @@
     <p:sldId id="263" r:id="rId9"/>
     <p:sldId id="264" r:id="rId10"/>
     <p:sldId id="265" r:id="rId11"/>
-    <p:sldId id="266" r:id="rId12"/>
-    <p:sldId id="267" r:id="rId13"/>
-    <p:sldId id="272" r:id="rId14"/>
-    <p:sldId id="269" r:id="rId15"/>
-    <p:sldId id="273" r:id="rId16"/>
-    <p:sldId id="274" r:id="rId17"/>
-    <p:sldId id="275" r:id="rId18"/>
-    <p:sldId id="270" r:id="rId19"/>
-    <p:sldId id="271" r:id="rId20"/>
+    <p:sldId id="276" r:id="rId12"/>
+    <p:sldId id="266" r:id="rId13"/>
+    <p:sldId id="267" r:id="rId14"/>
+    <p:sldId id="272" r:id="rId15"/>
+    <p:sldId id="269" r:id="rId16"/>
+    <p:sldId id="273" r:id="rId17"/>
+    <p:sldId id="274" r:id="rId18"/>
+    <p:sldId id="275" r:id="rId19"/>
+    <p:sldId id="270" r:id="rId20"/>
+    <p:sldId id="271" r:id="rId21"/>
   </p:sldIdLst>
   <p:sldSz cx="9144000" cy="6858000" type="screen4x3"/>
   <p:notesSz cx="6858000" cy="9144000"/>
@@ -3148,9 +3149,16 @@
             <p:ph type="subTitle" idx="1"/>
           </p:nvPr>
         </p:nvSpPr>
-        <p:spPr/>
-        <p:txBody>
-          <a:bodyPr/>
+        <p:spPr>
+          <a:xfrm>
+            <a:off x="1371600" y="3886200"/>
+            <a:ext cx="6400800" cy="2133600"/>
+          </a:xfrm>
+        </p:spPr>
+        <p:txBody>
+          <a:bodyPr>
+            <a:normAutofit/>
+          </a:bodyPr>
           <a:lstStyle/>
           <a:p>
             <a:pPr>
@@ -3162,7 +3170,15 @@
             </a:pPr>
             <a:r>
               <a:rPr dirty="0"/>
-              <a:t>Trust, Referrals</a:t>
+              <a:t>Trust</a:t>
+            </a:r>
+            <a:r>
+              <a:rPr lang="en-US" dirty="0"/>
+              <a:t> and</a:t>
+            </a:r>
+            <a:r>
+              <a:rPr dirty="0"/>
+              <a:t> Referrals</a:t>
             </a:r>
             <a:r>
               <a:rPr lang="en-US" dirty="0"/>
@@ -3172,12 +3188,28 @@
               <a:rPr dirty="0"/>
               <a:t>Network Effects</a:t>
             </a:r>
-          </a:p>
-          <a:p>
-            <a:r>
-              <a:rPr dirty="0"/>
-              <a:t>A Bayesian Approach to Hiring Decisions</a:t>
-            </a:r>
+            <a:endParaRPr lang="en-US" dirty="0"/>
+          </a:p>
+          <a:p>
+            <a:pPr>
+              <a:defRPr sz="2400">
+                <a:solidFill>
+                  <a:srgbClr val="646464"/>
+                </a:solidFill>
+              </a:defRPr>
+            </a:pPr>
+            <a:r>
+              <a:rPr lang="en-US" dirty="0"/>
+              <a:t>(Friend-of-Friend Advantage)</a:t>
+            </a:r>
+            <a:endParaRPr dirty="0"/>
+          </a:p>
+          <a:p>
+            <a:r>
+              <a:rPr lang="en-US" dirty="0"/>
+              <a:t>To Better Understand Decisions in Hiring</a:t>
+            </a:r>
+            <a:endParaRPr dirty="0"/>
           </a:p>
         </p:txBody>
       </p:sp>
@@ -3295,11 +3327,19 @@
           <a:p>
             <a:r>
               <a:rPr dirty="0"/>
-              <a:t>For each combination of signals, we compute the probability:</a:t>
-            </a:r>
-          </a:p>
-          <a:p>
-            <a:pPr>
+              <a:t>For each combination of signals, we compute the probability</a:t>
+            </a:r>
+            <a:r>
+              <a:rPr lang="en-US" dirty="0"/>
+              <a:t> of being a “good” candidate</a:t>
+            </a:r>
+            <a:r>
+              <a:rPr dirty="0"/>
+              <a:t>:</a:t>
+            </a:r>
+          </a:p>
+          <a:p>
+            <a:pPr marL="1162050" indent="-333375">
               <a:defRPr sz="1800"/>
             </a:pPr>
             <a:r>
@@ -3308,7 +3348,7 @@
             </a:r>
           </a:p>
           <a:p>
-            <a:pPr>
+            <a:pPr marL="1162050" indent="-333375">
               <a:defRPr sz="1800"/>
             </a:pPr>
             <a:r>
@@ -3317,7 +3357,7 @@
             </a:r>
           </a:p>
           <a:p>
-            <a:pPr>
+            <a:pPr marL="1162050" indent="-333375">
               <a:defRPr sz="1800" b="1"/>
             </a:pPr>
             <a:r>
@@ -3372,6 +3412,186 @@
   <p:cSld>
     <p:spTree>
       <p:nvGrpSpPr>
+        <p:cNvPr id="1" name="">
+          <a:extLst>
+            <a:ext uri="{FF2B5EF4-FFF2-40B4-BE49-F238E27FC236}">
+              <a16:creationId xmlns:a16="http://schemas.microsoft.com/office/drawing/2014/main" id="{E4CC00D7-C29D-C3B7-39FF-CA7B4207969B}"/>
+            </a:ext>
+          </a:extLst>
+        </p:cNvPr>
+        <p:cNvGrpSpPr/>
+        <p:nvPr/>
+      </p:nvGrpSpPr>
+      <p:grpSpPr>
+        <a:xfrm>
+          <a:off x="0" y="0"/>
+          <a:ext cx="0" cy="0"/>
+          <a:chOff x="0" y="0"/>
+          <a:chExt cx="0" cy="0"/>
+        </a:xfrm>
+      </p:grpSpPr>
+      <p:sp>
+        <p:nvSpPr>
+          <p:cNvPr id="2" name="Title 1">
+            <a:extLst>
+              <a:ext uri="{FF2B5EF4-FFF2-40B4-BE49-F238E27FC236}">
+                <a16:creationId xmlns:a16="http://schemas.microsoft.com/office/drawing/2014/main" id="{AB018A41-7E56-2D35-A159-765493090569}"/>
+              </a:ext>
+            </a:extLst>
+          </p:cNvPr>
+          <p:cNvSpPr>
+            <a:spLocks noGrp="1"/>
+          </p:cNvSpPr>
+          <p:nvPr>
+            <p:ph type="title"/>
+          </p:nvPr>
+        </p:nvSpPr>
+        <p:spPr/>
+        <p:txBody>
+          <a:bodyPr/>
+          <a:lstStyle/>
+          <a:p>
+            <a:pPr>
+              <a:defRPr sz="4400"/>
+            </a:pPr>
+            <a:r>
+              <a:rPr lang="en-US" dirty="0"/>
+              <a:t>Interpretation</a:t>
+            </a:r>
+            <a:endParaRPr dirty="0"/>
+          </a:p>
+        </p:txBody>
+      </p:sp>
+      <p:pic>
+        <p:nvPicPr>
+          <p:cNvPr id="4" name="Picture 3" descr="temp_heatmap_fof.png">
+            <a:extLst>
+              <a:ext uri="{FF2B5EF4-FFF2-40B4-BE49-F238E27FC236}">
+                <a16:creationId xmlns:a16="http://schemas.microsoft.com/office/drawing/2014/main" id="{E2575FF6-323D-E7C6-DFDB-C3F6726B8900}"/>
+              </a:ext>
+            </a:extLst>
+          </p:cNvPr>
+          <p:cNvPicPr>
+            <a:picLocks noChangeAspect="1"/>
+          </p:cNvPicPr>
+          <p:nvPr/>
+        </p:nvPicPr>
+        <p:blipFill>
+          <a:blip r:embed="rId2"/>
+          <a:stretch>
+            <a:fillRect/>
+          </a:stretch>
+        </p:blipFill>
+        <p:spPr>
+          <a:xfrm>
+            <a:off x="274320" y="1417638"/>
+            <a:ext cx="8595360" cy="3200400"/>
+          </a:xfrm>
+          <a:prstGeom prst="rect">
+            <a:avLst/>
+          </a:prstGeom>
+        </p:spPr>
+      </p:pic>
+      <p:sp>
+        <p:nvSpPr>
+          <p:cNvPr id="7" name="Down Arrow 6">
+            <a:extLst>
+              <a:ext uri="{FF2B5EF4-FFF2-40B4-BE49-F238E27FC236}">
+                <a16:creationId xmlns:a16="http://schemas.microsoft.com/office/drawing/2014/main" id="{D78D2F0C-9950-1B16-F2B4-2E6E9BE6B8E6}"/>
+              </a:ext>
+            </a:extLst>
+          </p:cNvPr>
+          <p:cNvSpPr/>
+          <p:nvPr/>
+        </p:nvSpPr>
+        <p:spPr>
+          <a:xfrm rot="10800000">
+            <a:off x="4123847" y="4414330"/>
+            <a:ext cx="448153" cy="904762"/>
+          </a:xfrm>
+          <a:prstGeom prst="downArrow">
+            <a:avLst/>
+          </a:prstGeom>
+          <a:solidFill>
+            <a:schemeClr val="tx1"/>
+          </a:solidFill>
+        </p:spPr>
+        <p:style>
+          <a:lnRef idx="1">
+            <a:schemeClr val="accent1"/>
+          </a:lnRef>
+          <a:fillRef idx="3">
+            <a:schemeClr val="accent1"/>
+          </a:fillRef>
+          <a:effectRef idx="2">
+            <a:schemeClr val="accent1"/>
+          </a:effectRef>
+          <a:fontRef idx="minor">
+            <a:schemeClr val="lt1"/>
+          </a:fontRef>
+        </p:style>
+        <p:txBody>
+          <a:bodyPr rtlCol="0" anchor="ctr"/>
+          <a:lstStyle/>
+          <a:p>
+            <a:pPr algn="ctr"/>
+            <a:endParaRPr lang="en-AT"/>
+          </a:p>
+        </p:txBody>
+      </p:sp>
+      <p:sp>
+        <p:nvSpPr>
+          <p:cNvPr id="8" name="TextBox 7">
+            <a:extLst>
+              <a:ext uri="{FF2B5EF4-FFF2-40B4-BE49-F238E27FC236}">
+                <a16:creationId xmlns:a16="http://schemas.microsoft.com/office/drawing/2014/main" id="{A7FD6FF1-C569-F6DC-65BF-A233195E4342}"/>
+              </a:ext>
+            </a:extLst>
+          </p:cNvPr>
+          <p:cNvSpPr txBox="1"/>
+          <p:nvPr/>
+        </p:nvSpPr>
+        <p:spPr>
+          <a:xfrm>
+            <a:off x="1867340" y="5468650"/>
+            <a:ext cx="4961166" cy="584775"/>
+          </a:xfrm>
+          <a:prstGeom prst="rect">
+            <a:avLst/>
+          </a:prstGeom>
+          <a:noFill/>
+        </p:spPr>
+        <p:txBody>
+          <a:bodyPr wrap="none" rtlCol="0">
+            <a:spAutoFit/>
+          </a:bodyPr>
+          <a:lstStyle/>
+          <a:p>
+            <a:r>
+              <a:rPr lang="en-AT" sz="3200" dirty="0"/>
+              <a:t>6 papers are worth 1 referral</a:t>
+            </a:r>
+          </a:p>
+        </p:txBody>
+      </p:sp>
+    </p:spTree>
+    <p:extLst>
+      <p:ext uri="{BB962C8B-B14F-4D97-AF65-F5344CB8AC3E}">
+        <p14:creationId xmlns:p14="http://schemas.microsoft.com/office/powerpoint/2010/main" val="2336699409"/>
+      </p:ext>
+    </p:extLst>
+  </p:cSld>
+  <p:clrMapOvr>
+    <a:masterClrMapping/>
+  </p:clrMapOvr>
+</p:sld>
+</file>
+
+<file path=ppt/slides/slide12.xml><?xml version="1.0" encoding="utf-8"?>
+<p:sld xmlns:a="http://schemas.openxmlformats.org/drawingml/2006/main" xmlns:r="http://schemas.openxmlformats.org/officeDocument/2006/relationships" xmlns:p="http://schemas.openxmlformats.org/presentationml/2006/main">
+  <p:cSld>
+    <p:spTree>
+      <p:nvGrpSpPr>
         <p:cNvPr id="1" name=""/>
         <p:cNvGrpSpPr/>
         <p:nvPr/>
@@ -3459,7 +3679,7 @@
 </p:sld>
 </file>
 
-<file path=ppt/slides/slide12.xml><?xml version="1.0" encoding="utf-8"?>
+<file path=ppt/slides/slide13.xml><?xml version="1.0" encoding="utf-8"?>
 <p:sld xmlns:a="http://schemas.openxmlformats.org/drawingml/2006/main" xmlns:r="http://schemas.openxmlformats.org/officeDocument/2006/relationships" xmlns:p="http://schemas.openxmlformats.org/presentationml/2006/main">
   <p:cSld>
     <p:spTree>
@@ -3601,7 +3821,7 @@
 </p:sld>
 </file>
 
-<file path=ppt/slides/slide13.xml><?xml version="1.0" encoding="utf-8"?>
+<file path=ppt/slides/slide14.xml><?xml version="1.0" encoding="utf-8"?>
 <p:sld xmlns:a="http://schemas.openxmlformats.org/drawingml/2006/main" xmlns:r="http://schemas.openxmlformats.org/officeDocument/2006/relationships" xmlns:p="http://schemas.openxmlformats.org/presentationml/2006/main">
   <p:cSld>
     <p:spTree>
@@ -3748,7 +3968,7 @@
 </p:sld>
 </file>
 
-<file path=ppt/slides/slide14.xml><?xml version="1.0" encoding="utf-8"?>
+<file path=ppt/slides/slide15.xml><?xml version="1.0" encoding="utf-8"?>
 <p:sld xmlns:a="http://schemas.openxmlformats.org/drawingml/2006/main" xmlns:r="http://schemas.openxmlformats.org/officeDocument/2006/relationships" xmlns:p="http://schemas.openxmlformats.org/presentationml/2006/main">
   <p:cSld>
     <p:spTree>
@@ -3916,7 +4136,7 @@
 </p:sld>
 </file>
 
-<file path=ppt/slides/slide15.xml><?xml version="1.0" encoding="utf-8"?>
+<file path=ppt/slides/slide16.xml><?xml version="1.0" encoding="utf-8"?>
 <p:sld xmlns:a="http://schemas.openxmlformats.org/drawingml/2006/main" xmlns:r="http://schemas.openxmlformats.org/officeDocument/2006/relationships" xmlns:p="http://schemas.openxmlformats.org/presentationml/2006/main">
   <p:cSld>
     <p:spTree>
@@ -4008,204 +4228,6 @@
 </p:sld>
 </file>
 
-<file path=ppt/slides/slide16.xml><?xml version="1.0" encoding="utf-8"?>
-<p:sld xmlns:a="http://schemas.openxmlformats.org/drawingml/2006/main" xmlns:r="http://schemas.openxmlformats.org/officeDocument/2006/relationships" xmlns:p="http://schemas.openxmlformats.org/presentationml/2006/main">
-  <p:cSld>
-    <p:spTree>
-      <p:nvGrpSpPr>
-        <p:cNvPr id="1" name=""/>
-        <p:cNvGrpSpPr/>
-        <p:nvPr/>
-      </p:nvGrpSpPr>
-      <p:grpSpPr>
-        <a:xfrm>
-          <a:off x="0" y="0"/>
-          <a:ext cx="0" cy="0"/>
-          <a:chOff x="0" y="0"/>
-          <a:chExt cx="0" cy="0"/>
-        </a:xfrm>
-      </p:grpSpPr>
-      <p:sp>
-        <p:nvSpPr>
-          <p:cNvPr id="2" name="Title 1"/>
-          <p:cNvSpPr>
-            <a:spLocks noGrp="1"/>
-          </p:cNvSpPr>
-          <p:nvPr>
-            <p:ph type="title"/>
-          </p:nvPr>
-        </p:nvSpPr>
-        <p:spPr/>
-        <p:txBody>
-          <a:bodyPr/>
-          <a:lstStyle/>
-          <a:p>
-            <a:pPr>
-              <a:defRPr sz="4400"/>
-            </a:pPr>
-            <a:r>
-              <a:t>Two Decision Approaches</a:t>
-            </a:r>
-          </a:p>
-        </p:txBody>
-      </p:sp>
-      <p:sp>
-        <p:nvSpPr>
-          <p:cNvPr id="3" name="Content Placeholder 2"/>
-          <p:cNvSpPr>
-            <a:spLocks noGrp="1"/>
-          </p:cNvSpPr>
-          <p:nvPr>
-            <p:ph idx="1"/>
-          </p:nvPr>
-        </p:nvSpPr>
-        <p:spPr/>
-        <p:txBody>
-          <a:bodyPr>
-            <a:noAutofit/>
-          </a:bodyPr>
-          <a:lstStyle/>
-          <a:p>
-            <a:r>
-              <a:rPr sz="2800" b="1" dirty="0"/>
-              <a:t>Approach 1: Probability-Based</a:t>
-            </a:r>
-          </a:p>
-          <a:p>
-            <a:pPr marL="889000" indent="-336550">
-              <a:defRPr sz="2000" b="1">
-                <a:solidFill>
-                  <a:srgbClr val="2ECC71"/>
-                </a:solidFill>
-              </a:defRPr>
-            </a:pPr>
-            <a:r>
-              <a:rPr sz="2000" dirty="0"/>
-              <a:t>IF </a:t>
-            </a:r>
-            <a:r>
-              <a:rPr sz="2000" dirty="0" err="1"/>
-              <a:t>Pr</a:t>
-            </a:r>
-            <a:r>
-              <a:rPr sz="2000" dirty="0"/>
-              <a:t>(F = good | G, N) &gt; 0.5 → HIRE</a:t>
-            </a:r>
-          </a:p>
-          <a:p>
-            <a:pPr marL="889000" indent="-336550">
-              <a:defRPr sz="2000" b="1">
-                <a:solidFill>
-                  <a:srgbClr val="E74C3C"/>
-                </a:solidFill>
-              </a:defRPr>
-            </a:pPr>
-            <a:r>
-              <a:rPr sz="2000" dirty="0"/>
-              <a:t>ELSE → REJECT</a:t>
-            </a:r>
-          </a:p>
-          <a:p>
-            <a:pPr marL="889000" indent="-336550">
-              <a:defRPr sz="1800"/>
-            </a:pPr>
-            <a:r>
-              <a:rPr sz="2000" dirty="0"/>
-              <a:t>✓ Simple and intuitive</a:t>
-            </a:r>
-          </a:p>
-          <a:p>
-            <a:pPr marL="889000" indent="-336550">
-              <a:defRPr sz="1800"/>
-            </a:pPr>
-            <a:r>
-              <a:rPr sz="2000" dirty="0"/>
-              <a:t>✗ Assumes symmetric costs</a:t>
-            </a:r>
-            <a:endParaRPr lang="en-US" sz="2000" dirty="0"/>
-          </a:p>
-          <a:p>
-            <a:pPr marL="889000" indent="-336550">
-              <a:defRPr sz="1800"/>
-            </a:pPr>
-            <a:endParaRPr sz="2800" dirty="0"/>
-          </a:p>
-          <a:p>
-            <a:pPr>
-              <a:defRPr sz="2000" b="1">
-                <a:solidFill>
-                  <a:srgbClr val="003366"/>
-                </a:solidFill>
-              </a:defRPr>
-            </a:pPr>
-            <a:r>
-              <a:rPr sz="2800" dirty="0"/>
-              <a:t>Approach 2: Payoff-Based</a:t>
-            </a:r>
-          </a:p>
-          <a:p>
-            <a:pPr marL="889000" indent="-336550">
-              <a:defRPr sz="2000" b="1">
-                <a:solidFill>
-                  <a:srgbClr val="2ECC71"/>
-                </a:solidFill>
-              </a:defRPr>
-            </a:pPr>
-            <a:r>
-              <a:rPr sz="2000" dirty="0"/>
-              <a:t>IF E[Payoff] &gt; 0 → HIRE</a:t>
-            </a:r>
-          </a:p>
-          <a:p>
-            <a:pPr marL="889000" indent="-336550">
-              <a:defRPr sz="2000" b="1">
-                <a:solidFill>
-                  <a:srgbClr val="E74C3C"/>
-                </a:solidFill>
-              </a:defRPr>
-            </a:pPr>
-            <a:r>
-              <a:rPr sz="2000" dirty="0"/>
-              <a:t>ELSE → REJECT</a:t>
-            </a:r>
-          </a:p>
-          <a:p>
-            <a:pPr marL="889000" indent="-336550">
-              <a:defRPr sz="1800"/>
-            </a:pPr>
-            <a:r>
-              <a:rPr sz="2000" dirty="0"/>
-              <a:t>✓ Accounts for different costs/benefits</a:t>
-            </a:r>
-          </a:p>
-          <a:p>
-            <a:pPr marL="889000" indent="-336550">
-              <a:defRPr sz="1800"/>
-            </a:pPr>
-            <a:r>
-              <a:rPr sz="2000" dirty="0"/>
-              <a:t>✓ More realistic for actual decisions</a:t>
-            </a:r>
-          </a:p>
-          <a:p>
-            <a:pPr marL="889000" indent="-336550">
-              <a:defRPr sz="1800"/>
-            </a:pPr>
-            <a:r>
-              <a:rPr sz="2000" dirty="0"/>
-              <a:t>✓ Handles negative payoffs from bad hires</a:t>
-            </a:r>
-          </a:p>
-        </p:txBody>
-      </p:sp>
-    </p:spTree>
-  </p:cSld>
-  <p:clrMapOvr>
-    <a:masterClrMapping/>
-  </p:clrMapOvr>
-</p:sld>
-</file>
-
 <file path=ppt/slides/slide17.xml><?xml version="1.0" encoding="utf-8"?>
 <p:sld xmlns:a="http://schemas.openxmlformats.org/drawingml/2006/main" xmlns:r="http://schemas.openxmlformats.org/officeDocument/2006/relationships" xmlns:p="http://schemas.openxmlformats.org/presentationml/2006/main">
   <p:cSld>
@@ -4242,7 +4264,7 @@
               <a:defRPr sz="4400"/>
             </a:pPr>
             <a:r>
-              <a:t>When Do Decisions Differ?</a:t>
+              <a:t>Two Decision Approaches</a:t>
             </a:r>
           </a:p>
         </p:txBody>
@@ -4265,122 +4287,133 @@
           <a:lstStyle/>
           <a:p>
             <a:r>
-              <a:rPr sz="2500" dirty="0"/>
-              <a:t>Example: Candidate with </a:t>
-            </a:r>
-            <a:r>
-              <a:rPr sz="2500" dirty="0" err="1"/>
-              <a:t>Pr</a:t>
-            </a:r>
-            <a:r>
-              <a:rPr sz="2500" dirty="0"/>
-              <a:t>(Good) = 0.55</a:t>
-            </a:r>
-          </a:p>
-          <a:p>
-            <a:pPr marL="987425" indent="-336550">
-              <a:defRPr sz="1800">
+              <a:rPr sz="2800" b="1" dirty="0"/>
+              <a:t>Approach 1: Probability-Based</a:t>
+            </a:r>
+          </a:p>
+          <a:p>
+            <a:pPr marL="889000" indent="-336550">
+              <a:defRPr sz="2000" b="1">
                 <a:solidFill>
                   <a:srgbClr val="2ECC71"/>
                 </a:solidFill>
               </a:defRPr>
             </a:pPr>
             <a:r>
-              <a:rPr sz="1800" dirty="0"/>
-              <a:t>Probability-based: HIRE (55% &gt; 50%)</a:t>
-            </a:r>
-          </a:p>
-          <a:p>
-            <a:pPr marL="987425" indent="-336550"/>
-            <a:endParaRPr sz="1800" dirty="0"/>
-          </a:p>
-          <a:p>
-            <a:pPr marL="987425" indent="-336550">
-              <a:defRPr sz="1800"/>
-            </a:pPr>
-            <a:r>
-              <a:rPr sz="1800" dirty="0"/>
-              <a:t>Payoff-based (B=10, b=-2):</a:t>
-            </a:r>
-          </a:p>
-          <a:p>
-            <a:pPr marL="987425" indent="-336550">
-              <a:defRPr sz="1800" b="1"/>
-            </a:pPr>
-            <a:r>
-              <a:rPr sz="1800" dirty="0"/>
-              <a:t>E[Payoff] = -2 + 12 × 0.55 = 4.6 &gt; 0 → HIRE</a:t>
-            </a:r>
-          </a:p>
-          <a:p>
-            <a:pPr marL="987425" indent="-336550"/>
-            <a:endParaRPr sz="1800" dirty="0"/>
-          </a:p>
-          <a:p>
-            <a:pPr marL="987425" indent="-336550">
-              <a:defRPr sz="1800"/>
-            </a:pPr>
-            <a:r>
-              <a:rPr sz="1800" dirty="0"/>
-              <a:t>Payoff-based (B=10, b=-10):</a:t>
-            </a:r>
-          </a:p>
-          <a:p>
-            <a:pPr marL="987425" indent="-336550">
-              <a:defRPr sz="1800" b="1"/>
-            </a:pPr>
-            <a:r>
-              <a:rPr sz="1800" dirty="0"/>
-              <a:t>E[Payoff] = -10 + 20 × 0.55 = 1 &gt; 0 → HIRE</a:t>
-            </a:r>
-          </a:p>
-          <a:p>
-            <a:pPr marL="987425" indent="-336550"/>
-            <a:endParaRPr sz="1800" dirty="0"/>
-          </a:p>
-          <a:p>
-            <a:pPr marL="987425" indent="-336550">
-              <a:defRPr sz="1800"/>
-            </a:pPr>
-            <a:r>
-              <a:rPr sz="1800" dirty="0"/>
-              <a:t>Payoff-based (B=10, b=-30):</a:t>
-            </a:r>
-          </a:p>
-          <a:p>
-            <a:pPr marL="987425" indent="-336550">
-              <a:defRPr sz="1800" b="1">
+              <a:rPr sz="2000" dirty="0"/>
+              <a:t>IF </a:t>
+            </a:r>
+            <a:r>
+              <a:rPr sz="2000" dirty="0" err="1"/>
+              <a:t>Pr</a:t>
+            </a:r>
+            <a:r>
+              <a:rPr sz="2000" dirty="0"/>
+              <a:t>(F = good | G, N) &gt; 0.5 → HIRE</a:t>
+            </a:r>
+          </a:p>
+          <a:p>
+            <a:pPr marL="889000" indent="-336550">
+              <a:defRPr sz="2000" b="1">
                 <a:solidFill>
                   <a:srgbClr val="E74C3C"/>
                 </a:solidFill>
               </a:defRPr>
             </a:pPr>
             <a:r>
-              <a:rPr sz="1800" dirty="0"/>
-              <a:t>E[Payoff] = -30 + 40 × 0.55 = -8 &lt; 0 → REJECT</a:t>
-            </a:r>
+              <a:rPr sz="2000" dirty="0"/>
+              <a:t>ELSE → REJECT</a:t>
+            </a:r>
+          </a:p>
+          <a:p>
+            <a:pPr marL="889000" indent="-336550">
+              <a:defRPr sz="1800"/>
+            </a:pPr>
+            <a:r>
+              <a:rPr sz="2000" dirty="0"/>
+              <a:t>✓ Simple and intuitive</a:t>
+            </a:r>
+          </a:p>
+          <a:p>
+            <a:pPr marL="889000" indent="-336550">
+              <a:defRPr sz="1800"/>
+            </a:pPr>
+            <a:r>
+              <a:rPr sz="2000" dirty="0"/>
+              <a:t>✗ Assumes symmetric costs</a:t>
+            </a:r>
+            <a:endParaRPr lang="en-US" sz="2000" dirty="0"/>
+          </a:p>
+          <a:p>
+            <a:pPr marL="889000" indent="-336550">
+              <a:defRPr sz="1800"/>
+            </a:pPr>
+            <a:endParaRPr sz="2800" dirty="0"/>
           </a:p>
           <a:p>
             <a:pPr>
-              <a:defRPr sz="1800" b="1">
+              <a:defRPr sz="2000" b="1">
                 <a:solidFill>
                   <a:srgbClr val="003366"/>
                 </a:solidFill>
               </a:defRPr>
             </a:pPr>
-            <a:endParaRPr lang="en-US" sz="2500" dirty="0"/>
-          </a:p>
-          <a:p>
-            <a:pPr>
-              <a:defRPr sz="1800" b="1">
+            <a:r>
+              <a:rPr sz="2800" dirty="0"/>
+              <a:t>Approach 2: Payoff-Based</a:t>
+            </a:r>
+          </a:p>
+          <a:p>
+            <a:pPr marL="889000" indent="-336550">
+              <a:defRPr sz="2000" b="1">
                 <a:solidFill>
-                  <a:srgbClr val="003366"/>
+                  <a:srgbClr val="2ECC71"/>
                 </a:solidFill>
               </a:defRPr>
             </a:pPr>
             <a:r>
-              <a:rPr sz="2500" dirty="0"/>
-              <a:t>Key insight: High cost of bad hires makes us more conservative!</a:t>
+              <a:rPr sz="2000" dirty="0"/>
+              <a:t>IF E[Payoff] &gt; 0 → HIRE</a:t>
+            </a:r>
+          </a:p>
+          <a:p>
+            <a:pPr marL="889000" indent="-336550">
+              <a:defRPr sz="2000" b="1">
+                <a:solidFill>
+                  <a:srgbClr val="E74C3C"/>
+                </a:solidFill>
+              </a:defRPr>
+            </a:pPr>
+            <a:r>
+              <a:rPr sz="2000" dirty="0"/>
+              <a:t>ELSE → REJECT</a:t>
+            </a:r>
+          </a:p>
+          <a:p>
+            <a:pPr marL="889000" indent="-336550">
+              <a:defRPr sz="1800"/>
+            </a:pPr>
+            <a:r>
+              <a:rPr sz="2000" dirty="0"/>
+              <a:t>✓ Accounts for different costs/benefits</a:t>
+            </a:r>
+          </a:p>
+          <a:p>
+            <a:pPr marL="889000" indent="-336550">
+              <a:defRPr sz="1800"/>
+            </a:pPr>
+            <a:r>
+              <a:rPr sz="2000" dirty="0"/>
+              <a:t>✓ More realistic for actual decisions</a:t>
+            </a:r>
+          </a:p>
+          <a:p>
+            <a:pPr marL="889000" indent="-336550">
+              <a:defRPr sz="1800"/>
+            </a:pPr>
+            <a:r>
+              <a:rPr sz="2000" dirty="0"/>
+              <a:t>✓ Handles negative payoffs from bad hires</a:t>
             </a:r>
           </a:p>
         </p:txBody>
@@ -4429,7 +4462,7 @@
               <a:defRPr sz="4400"/>
             </a:pPr>
             <a:r>
-              <a:t>Summary</a:t>
+              <a:t>When Do Decisions Differ?</a:t>
             </a:r>
           </a:p>
         </p:txBody>
@@ -4446,116 +4479,128 @@
         </p:nvSpPr>
         <p:spPr/>
         <p:txBody>
-          <a:bodyPr/>
-          <a:lstStyle/>
+          <a:bodyPr>
+            <a:noAutofit/>
+          </a:bodyPr>
+          <a:lstStyle/>
+          <a:p>
+            <a:r>
+              <a:rPr sz="2500" dirty="0"/>
+              <a:t>Example: Candidate with </a:t>
+            </a:r>
+            <a:r>
+              <a:rPr sz="2500" dirty="0" err="1"/>
+              <a:t>Pr</a:t>
+            </a:r>
+            <a:r>
+              <a:rPr sz="2500" dirty="0"/>
+              <a:t>(Good) = 0.55</a:t>
+            </a:r>
+          </a:p>
+          <a:p>
+            <a:pPr marL="987425" indent="-336550">
+              <a:defRPr sz="1800">
+                <a:solidFill>
+                  <a:srgbClr val="2ECC71"/>
+                </a:solidFill>
+              </a:defRPr>
+            </a:pPr>
+            <a:r>
+              <a:rPr sz="1800" dirty="0"/>
+              <a:t>Probability-based: HIRE (55% &gt; 50%)</a:t>
+            </a:r>
+          </a:p>
+          <a:p>
+            <a:pPr marL="987425" indent="-336550"/>
+            <a:endParaRPr sz="1800" dirty="0"/>
+          </a:p>
+          <a:p>
+            <a:pPr marL="987425" indent="-336550">
+              <a:defRPr sz="1800"/>
+            </a:pPr>
+            <a:r>
+              <a:rPr sz="1800" dirty="0"/>
+              <a:t>Payoff-based (B=10, b=-2):</a:t>
+            </a:r>
+          </a:p>
+          <a:p>
+            <a:pPr marL="987425" indent="-336550">
+              <a:defRPr sz="1800" b="1"/>
+            </a:pPr>
+            <a:r>
+              <a:rPr sz="1800" dirty="0"/>
+              <a:t>E[Payoff] = -2 + 12 × 0.55 = 4.6 &gt; 0 → HIRE</a:t>
+            </a:r>
+          </a:p>
+          <a:p>
+            <a:pPr marL="987425" indent="-336550"/>
+            <a:endParaRPr sz="1800" dirty="0"/>
+          </a:p>
+          <a:p>
+            <a:pPr marL="987425" indent="-336550">
+              <a:defRPr sz="1800"/>
+            </a:pPr>
+            <a:r>
+              <a:rPr sz="1800" dirty="0"/>
+              <a:t>Payoff-based (B=10, b=-10):</a:t>
+            </a:r>
+          </a:p>
+          <a:p>
+            <a:pPr marL="987425" indent="-336550">
+              <a:defRPr sz="1800" b="1"/>
+            </a:pPr>
+            <a:r>
+              <a:rPr sz="1800" dirty="0"/>
+              <a:t>E[Payoff] = -10 + 20 × 0.55 = 1 &gt; 0 → HIRE</a:t>
+            </a:r>
+          </a:p>
+          <a:p>
+            <a:pPr marL="987425" indent="-336550"/>
+            <a:endParaRPr sz="1800" dirty="0"/>
+          </a:p>
+          <a:p>
+            <a:pPr marL="987425" indent="-336550">
+              <a:defRPr sz="1800"/>
+            </a:pPr>
+            <a:r>
+              <a:rPr sz="1800" dirty="0"/>
+              <a:t>Payoff-based (B=10, b=-30):</a:t>
+            </a:r>
+          </a:p>
+          <a:p>
+            <a:pPr marL="987425" indent="-336550">
+              <a:defRPr sz="1800" b="1">
+                <a:solidFill>
+                  <a:srgbClr val="E74C3C"/>
+                </a:solidFill>
+              </a:defRPr>
+            </a:pPr>
+            <a:r>
+              <a:rPr sz="1800" dirty="0"/>
+              <a:t>E[Payoff] = -30 + 40 × 0.55 = -8 &lt; 0 → REJECT</a:t>
+            </a:r>
+          </a:p>
           <a:p>
             <a:pPr>
-              <a:spcAft>
-                <a:spcPts val="1200"/>
-              </a:spcAft>
-              <a:defRPr sz="2200" b="1"/>
-            </a:pPr>
-            <a:r>
-              <a:rPr dirty="0"/>
-              <a:t>Start with prior belief about candidate quality</a:t>
-            </a:r>
+              <a:defRPr sz="1800" b="1">
+                <a:solidFill>
+                  <a:srgbClr val="003366"/>
+                </a:solidFill>
+              </a:defRPr>
+            </a:pPr>
+            <a:endParaRPr lang="en-US" sz="2500" dirty="0"/>
           </a:p>
           <a:p>
             <a:pPr>
-              <a:spcAft>
-                <a:spcPts val="1200"/>
-              </a:spcAft>
-              <a:defRPr sz="2200" b="1"/>
-            </a:pPr>
-            <a:r>
-              <a:rPr dirty="0"/>
-              <a:t>Observe two referrals (R1, R2) and trust (T1, T2)</a:t>
-            </a:r>
-          </a:p>
-          <a:p>
-            <a:pPr>
-              <a:spcAft>
-                <a:spcPts val="1200"/>
-              </a:spcAft>
-              <a:defRPr sz="2200" b="1"/>
-            </a:pPr>
-            <a:r>
-              <a:rPr dirty="0"/>
-              <a:t>Select referral based on trust (trust overrides quality!)</a:t>
-            </a:r>
-          </a:p>
-          <a:p>
-            <a:pPr>
-              <a:spcAft>
-                <a:spcPts val="1200"/>
-              </a:spcAft>
-              <a:defRPr sz="2200" b="1"/>
-            </a:pPr>
-            <a:r>
-              <a:rPr dirty="0"/>
-              <a:t>Network effect G = selected referral quality</a:t>
-            </a:r>
-          </a:p>
-          <a:p>
-            <a:pPr>
-              <a:spcAft>
-                <a:spcPts val="1200"/>
-              </a:spcAft>
-              <a:defRPr sz="2200" b="1"/>
-            </a:pPr>
-            <a:r>
-              <a:rPr dirty="0"/>
-              <a:t>Use Bayes' theorem to get </a:t>
-            </a:r>
-            <a:r>
-              <a:rPr dirty="0" err="1"/>
-              <a:t>Pr</a:t>
-            </a:r>
-            <a:r>
-              <a:rPr dirty="0"/>
-              <a:t>(F = good | G, N)</a:t>
-            </a:r>
-            <a:endParaRPr lang="en-US" dirty="0"/>
-          </a:p>
-          <a:p>
-            <a:pPr>
-              <a:spcAft>
-                <a:spcPts val="1200"/>
-              </a:spcAft>
-              <a:defRPr sz="2200" b="1"/>
-            </a:pPr>
-            <a:r>
-              <a:rPr lang="en-GB" dirty="0"/>
-              <a:t>Compute expected payoff: E[Payoff] = B × </a:t>
-            </a:r>
-            <a:r>
-              <a:rPr lang="en-GB" dirty="0" err="1"/>
-              <a:t>Pr</a:t>
-            </a:r>
-            <a:r>
-              <a:rPr lang="en-GB" dirty="0"/>
-              <a:t>(Good) + b × </a:t>
-            </a:r>
-            <a:r>
-              <a:rPr lang="en-GB" dirty="0" err="1"/>
-              <a:t>Pr</a:t>
-            </a:r>
-            <a:r>
-              <a:rPr lang="en-GB" dirty="0"/>
-              <a:t>(Bad)</a:t>
-            </a:r>
-            <a:endParaRPr dirty="0"/>
-          </a:p>
-          <a:p>
-            <a:pPr>
-              <a:spcAft>
-                <a:spcPts val="1200"/>
-              </a:spcAft>
-              <a:defRPr sz="2200" b="1"/>
-            </a:pPr>
-            <a:r>
-              <a:rPr dirty="0"/>
-              <a:t>Make hiring decision based on probability</a:t>
+              <a:defRPr sz="1800" b="1">
+                <a:solidFill>
+                  <a:srgbClr val="003366"/>
+                </a:solidFill>
+              </a:defRPr>
+            </a:pPr>
+            <a:r>
+              <a:rPr sz="2500" dirty="0"/>
+              <a:t>Key insight: High cost of bad hires makes us more conservative!</a:t>
             </a:r>
           </a:p>
         </p:txBody>
@@ -4592,7 +4637,7 @@
             <a:spLocks noGrp="1"/>
           </p:cNvSpPr>
           <p:nvPr>
-            <p:ph type="ctrTitle"/>
+            <p:ph type="title"/>
           </p:nvPr>
         </p:nvSpPr>
         <p:spPr/>
@@ -4601,22 +4646,22 @@
           <a:lstStyle/>
           <a:p>
             <a:pPr>
-              <a:defRPr sz="5400" b="1"/>
-            </a:pPr>
-            <a:r>
-              <a:t>Thank You!</a:t>
-            </a:r>
-          </a:p>
-        </p:txBody>
-      </p:sp>
-      <p:sp>
-        <p:nvSpPr>
-          <p:cNvPr id="3" name="Subtitle 2"/>
-          <p:cNvSpPr>
-            <a:spLocks noGrp="1"/>
-          </p:cNvSpPr>
-          <p:nvPr>
-            <p:ph type="subTitle" idx="1"/>
+              <a:defRPr sz="4400"/>
+            </a:pPr>
+            <a:r>
+              <a:t>Summary</a:t>
+            </a:r>
+          </a:p>
+        </p:txBody>
+      </p:sp>
+      <p:sp>
+        <p:nvSpPr>
+          <p:cNvPr id="3" name="Content Placeholder 2"/>
+          <p:cNvSpPr>
+            <a:spLocks noGrp="1"/>
+          </p:cNvSpPr>
+          <p:nvPr>
+            <p:ph idx="1"/>
           </p:nvPr>
         </p:nvSpPr>
         <p:spPr/>
@@ -4625,10 +4670,112 @@
           <a:lstStyle/>
           <a:p>
             <a:pPr>
-              <a:defRPr sz="3200"/>
-            </a:pPr>
-            <a:r>
-              <a:t>Questions?</a:t>
+              <a:spcAft>
+                <a:spcPts val="1200"/>
+              </a:spcAft>
+              <a:defRPr sz="2200" b="1"/>
+            </a:pPr>
+            <a:r>
+              <a:rPr dirty="0"/>
+              <a:t>Start with prior belief about candidate quality</a:t>
+            </a:r>
+          </a:p>
+          <a:p>
+            <a:pPr>
+              <a:spcAft>
+                <a:spcPts val="1200"/>
+              </a:spcAft>
+              <a:defRPr sz="2200" b="1"/>
+            </a:pPr>
+            <a:r>
+              <a:rPr dirty="0"/>
+              <a:t>Observe two referrals (R1, R2) and trust (T1, T2)</a:t>
+            </a:r>
+          </a:p>
+          <a:p>
+            <a:pPr>
+              <a:spcAft>
+                <a:spcPts val="1200"/>
+              </a:spcAft>
+              <a:defRPr sz="2200" b="1"/>
+            </a:pPr>
+            <a:r>
+              <a:rPr dirty="0"/>
+              <a:t>Select referral based on trust (trust overrides quality!)</a:t>
+            </a:r>
+          </a:p>
+          <a:p>
+            <a:pPr>
+              <a:spcAft>
+                <a:spcPts val="1200"/>
+              </a:spcAft>
+              <a:defRPr sz="2200" b="1"/>
+            </a:pPr>
+            <a:r>
+              <a:rPr dirty="0"/>
+              <a:t>Network effect G = selected referral quality</a:t>
+            </a:r>
+          </a:p>
+          <a:p>
+            <a:pPr>
+              <a:spcAft>
+                <a:spcPts val="1200"/>
+              </a:spcAft>
+              <a:defRPr sz="2200" b="1"/>
+            </a:pPr>
+            <a:r>
+              <a:rPr dirty="0"/>
+              <a:t>Use Bayes' theorem to get </a:t>
+            </a:r>
+            <a:r>
+              <a:rPr dirty="0" err="1"/>
+              <a:t>Pr</a:t>
+            </a:r>
+            <a:r>
+              <a:rPr dirty="0"/>
+              <a:t>(F = good | G, N)</a:t>
+            </a:r>
+            <a:endParaRPr lang="en-US" dirty="0"/>
+          </a:p>
+          <a:p>
+            <a:pPr>
+              <a:spcAft>
+                <a:spcPts val="1200"/>
+              </a:spcAft>
+              <a:defRPr sz="2200" b="1"/>
+            </a:pPr>
+            <a:r>
+              <a:rPr lang="en-GB" dirty="0"/>
+              <a:t>Compute expected payoff: E[Payoff] = B × </a:t>
+            </a:r>
+            <a:r>
+              <a:rPr lang="en-GB" dirty="0" err="1"/>
+              <a:t>Pr</a:t>
+            </a:r>
+            <a:r>
+              <a:rPr lang="en-GB" dirty="0"/>
+              <a:t>(Good) + b × </a:t>
+            </a:r>
+            <a:r>
+              <a:rPr lang="en-GB" dirty="0" err="1"/>
+              <a:t>Pr</a:t>
+            </a:r>
+            <a:r>
+              <a:rPr lang="en-GB" dirty="0"/>
+              <a:t>(Bad)</a:t>
+            </a:r>
+            <a:endParaRPr dirty="0"/>
+          </a:p>
+          <a:p>
+            <a:pPr>
+              <a:spcAft>
+                <a:spcPts val="1200"/>
+              </a:spcAft>
+              <a:defRPr sz="2200" b="1"/>
+            </a:pPr>
+            <a:r>
+              <a:rPr dirty="0"/>
+              <a:t>Make hiring decision based on probability</a:t>
             </a:r>
           </a:p>
         </p:txBody>
@@ -4799,6 +4946,79 @@
 </p:sld>
 </file>
 
+<file path=ppt/slides/slide20.xml><?xml version="1.0" encoding="utf-8"?>
+<p:sld xmlns:a="http://schemas.openxmlformats.org/drawingml/2006/main" xmlns:r="http://schemas.openxmlformats.org/officeDocument/2006/relationships" xmlns:p="http://schemas.openxmlformats.org/presentationml/2006/main">
+  <p:cSld>
+    <p:spTree>
+      <p:nvGrpSpPr>
+        <p:cNvPr id="1" name=""/>
+        <p:cNvGrpSpPr/>
+        <p:nvPr/>
+      </p:nvGrpSpPr>
+      <p:grpSpPr>
+        <a:xfrm>
+          <a:off x="0" y="0"/>
+          <a:ext cx="0" cy="0"/>
+          <a:chOff x="0" y="0"/>
+          <a:chExt cx="0" cy="0"/>
+        </a:xfrm>
+      </p:grpSpPr>
+      <p:sp>
+        <p:nvSpPr>
+          <p:cNvPr id="2" name="Title 1"/>
+          <p:cNvSpPr>
+            <a:spLocks noGrp="1"/>
+          </p:cNvSpPr>
+          <p:nvPr>
+            <p:ph type="ctrTitle"/>
+          </p:nvPr>
+        </p:nvSpPr>
+        <p:spPr/>
+        <p:txBody>
+          <a:bodyPr/>
+          <a:lstStyle/>
+          <a:p>
+            <a:pPr>
+              <a:defRPr sz="5400" b="1"/>
+            </a:pPr>
+            <a:r>
+              <a:t>Thank You!</a:t>
+            </a:r>
+          </a:p>
+        </p:txBody>
+      </p:sp>
+      <p:sp>
+        <p:nvSpPr>
+          <p:cNvPr id="3" name="Subtitle 2"/>
+          <p:cNvSpPr>
+            <a:spLocks noGrp="1"/>
+          </p:cNvSpPr>
+          <p:nvPr>
+            <p:ph type="subTitle" idx="1"/>
+          </p:nvPr>
+        </p:nvSpPr>
+        <p:spPr/>
+        <p:txBody>
+          <a:bodyPr/>
+          <a:lstStyle/>
+          <a:p>
+            <a:pPr>
+              <a:defRPr sz="3200"/>
+            </a:pPr>
+            <a:r>
+              <a:t>Questions?</a:t>
+            </a:r>
+          </a:p>
+        </p:txBody>
+      </p:sp>
+    </p:spTree>
+  </p:cSld>
+  <p:clrMapOvr>
+    <a:masterClrMapping/>
+  </p:clrMapOvr>
+</p:sld>
+</file>
+
 <file path=ppt/slides/slide3.xml><?xml version="1.0" encoding="utf-8"?>
 <p:sld xmlns:a="http://schemas.openxmlformats.org/drawingml/2006/main" xmlns:r="http://schemas.openxmlformats.org/officeDocument/2006/relationships" xmlns:p="http://schemas.openxmlformats.org/presentationml/2006/main">
   <p:cSld>
@@ -4859,7 +5079,7 @@
         </p:nvSpPr>
         <p:spPr>
           <a:xfrm>
-            <a:off x="914400" y="1828800"/>
+            <a:off x="1546412" y="2775473"/>
             <a:ext cx="1371600" cy="731520"/>
           </a:xfrm>
           <a:prstGeom prst="rect">
@@ -4909,7 +5129,7 @@
         </p:nvSpPr>
         <p:spPr>
           <a:xfrm>
-            <a:off x="2743200" y="1828800"/>
+            <a:off x="5405717" y="1691640"/>
             <a:ext cx="1371600" cy="731520"/>
           </a:xfrm>
           <a:prstGeom prst="rect">
@@ -4941,11 +5161,13 @@
               <a:defRPr sz="1400" b="1"/>
             </a:pPr>
             <a:r>
+              <a:rPr dirty="0"/>
               <a:t>R1, R2</a:t>
             </a:r>
           </a:p>
           <a:p>
             <a:r>
+              <a:rPr dirty="0"/>
               <a:t>Referrals</a:t>
             </a:r>
           </a:p>
@@ -4959,7 +5181,7 @@
         </p:nvSpPr>
         <p:spPr>
           <a:xfrm>
-            <a:off x="4572000" y="1828800"/>
+            <a:off x="5405717" y="2528047"/>
             <a:ext cx="1371600" cy="731520"/>
           </a:xfrm>
           <a:prstGeom prst="rect">
@@ -5009,7 +5231,7 @@
         </p:nvSpPr>
         <p:spPr>
           <a:xfrm>
-            <a:off x="6400800" y="1828800"/>
+            <a:off x="3375212" y="2057400"/>
             <a:ext cx="1371600" cy="731520"/>
           </a:xfrm>
           <a:prstGeom prst="rect">
@@ -5041,11 +5263,13 @@
               <a:defRPr sz="1400" b="1"/>
             </a:pPr>
             <a:r>
+              <a:rPr dirty="0"/>
               <a:t>G (Network)</a:t>
             </a:r>
           </a:p>
           <a:p>
             <a:r>
+              <a:rPr dirty="0"/>
               <a:t>= Selected R</a:t>
             </a:r>
           </a:p>
@@ -5059,7 +5283,7 @@
         </p:nvSpPr>
         <p:spPr>
           <a:xfrm>
-            <a:off x="2743200" y="3200400"/>
+            <a:off x="3375212" y="3415553"/>
             <a:ext cx="1371600" cy="731520"/>
           </a:xfrm>
           <a:prstGeom prst="rect">
@@ -5109,7 +5333,7 @@
         </p:nvSpPr>
         <p:spPr>
           <a:xfrm>
-            <a:off x="1828800" y="4572000"/>
+            <a:off x="2460812" y="4787153"/>
             <a:ext cx="5486400" cy="914400"/>
           </a:xfrm>
           <a:prstGeom prst="rect">
@@ -5136,6 +5360,165 @@
           </a:p>
         </p:txBody>
       </p:sp>
+      <p:cxnSp>
+        <p:nvCxnSpPr>
+          <p:cNvPr id="12" name="Straight Connector 11">
+            <a:extLst>
+              <a:ext uri="{FF2B5EF4-FFF2-40B4-BE49-F238E27FC236}">
+                <a16:creationId xmlns:a16="http://schemas.microsoft.com/office/drawing/2014/main" id="{D0D922FB-2A49-918B-9030-5F5742C38CDB}"/>
+              </a:ext>
+            </a:extLst>
+          </p:cNvPr>
+          <p:cNvCxnSpPr>
+            <a:stCxn id="4" idx="3"/>
+            <a:endCxn id="8" idx="1"/>
+          </p:cNvCxnSpPr>
+          <p:nvPr/>
+        </p:nvCxnSpPr>
+        <p:spPr>
+          <a:xfrm>
+            <a:off x="2918012" y="3141233"/>
+            <a:ext cx="457200" cy="640080"/>
+          </a:xfrm>
+          <a:prstGeom prst="line">
+            <a:avLst/>
+          </a:prstGeom>
+        </p:spPr>
+        <p:style>
+          <a:lnRef idx="2">
+            <a:schemeClr val="accent1"/>
+          </a:lnRef>
+          <a:fillRef idx="0">
+            <a:schemeClr val="accent1"/>
+          </a:fillRef>
+          <a:effectRef idx="1">
+            <a:schemeClr val="accent1"/>
+          </a:effectRef>
+          <a:fontRef idx="minor">
+            <a:schemeClr val="tx1"/>
+          </a:fontRef>
+        </p:style>
+      </p:cxnSp>
+      <p:cxnSp>
+        <p:nvCxnSpPr>
+          <p:cNvPr id="16" name="Straight Connector 15">
+            <a:extLst>
+              <a:ext uri="{FF2B5EF4-FFF2-40B4-BE49-F238E27FC236}">
+                <a16:creationId xmlns:a16="http://schemas.microsoft.com/office/drawing/2014/main" id="{A7BE16CF-3CF4-804C-734C-E4F690C1D39F}"/>
+              </a:ext>
+            </a:extLst>
+          </p:cNvPr>
+          <p:cNvCxnSpPr>
+            <a:cxnSpLocks/>
+            <a:stCxn id="4" idx="3"/>
+            <a:endCxn id="7" idx="1"/>
+          </p:cNvCxnSpPr>
+          <p:nvPr/>
+        </p:nvCxnSpPr>
+        <p:spPr>
+          <a:xfrm flipV="1">
+            <a:off x="2918012" y="2423160"/>
+            <a:ext cx="457200" cy="718073"/>
+          </a:xfrm>
+          <a:prstGeom prst="line">
+            <a:avLst/>
+          </a:prstGeom>
+        </p:spPr>
+        <p:style>
+          <a:lnRef idx="2">
+            <a:schemeClr val="accent1"/>
+          </a:lnRef>
+          <a:fillRef idx="0">
+            <a:schemeClr val="accent1"/>
+          </a:fillRef>
+          <a:effectRef idx="1">
+            <a:schemeClr val="accent1"/>
+          </a:effectRef>
+          <a:fontRef idx="minor">
+            <a:schemeClr val="tx1"/>
+          </a:fontRef>
+        </p:style>
+      </p:cxnSp>
+      <p:cxnSp>
+        <p:nvCxnSpPr>
+          <p:cNvPr id="20" name="Straight Connector 19">
+            <a:extLst>
+              <a:ext uri="{FF2B5EF4-FFF2-40B4-BE49-F238E27FC236}">
+                <a16:creationId xmlns:a16="http://schemas.microsoft.com/office/drawing/2014/main" id="{1C4EC34D-440F-75E2-5A99-34525A08F229}"/>
+              </a:ext>
+            </a:extLst>
+          </p:cNvPr>
+          <p:cNvCxnSpPr>
+            <a:cxnSpLocks/>
+            <a:stCxn id="7" idx="3"/>
+            <a:endCxn id="5" idx="1"/>
+          </p:cNvCxnSpPr>
+          <p:nvPr/>
+        </p:nvCxnSpPr>
+        <p:spPr>
+          <a:xfrm flipV="1">
+            <a:off x="4746812" y="2057400"/>
+            <a:ext cx="658905" cy="365760"/>
+          </a:xfrm>
+          <a:prstGeom prst="line">
+            <a:avLst/>
+          </a:prstGeom>
+        </p:spPr>
+        <p:style>
+          <a:lnRef idx="2">
+            <a:schemeClr val="accent1"/>
+          </a:lnRef>
+          <a:fillRef idx="0">
+            <a:schemeClr val="accent1"/>
+          </a:fillRef>
+          <a:effectRef idx="1">
+            <a:schemeClr val="accent1"/>
+          </a:effectRef>
+          <a:fontRef idx="minor">
+            <a:schemeClr val="tx1"/>
+          </a:fontRef>
+        </p:style>
+      </p:cxnSp>
+      <p:cxnSp>
+        <p:nvCxnSpPr>
+          <p:cNvPr id="23" name="Straight Connector 22">
+            <a:extLst>
+              <a:ext uri="{FF2B5EF4-FFF2-40B4-BE49-F238E27FC236}">
+                <a16:creationId xmlns:a16="http://schemas.microsoft.com/office/drawing/2014/main" id="{723EA454-5B71-541C-14CA-B22500CF701D}"/>
+              </a:ext>
+            </a:extLst>
+          </p:cNvPr>
+          <p:cNvCxnSpPr>
+            <a:cxnSpLocks/>
+            <a:stCxn id="7" idx="3"/>
+            <a:endCxn id="6" idx="1"/>
+          </p:cNvCxnSpPr>
+          <p:nvPr/>
+        </p:nvCxnSpPr>
+        <p:spPr>
+          <a:xfrm>
+            <a:off x="4746812" y="2423160"/>
+            <a:ext cx="658905" cy="470647"/>
+          </a:xfrm>
+          <a:prstGeom prst="line">
+            <a:avLst/>
+          </a:prstGeom>
+        </p:spPr>
+        <p:style>
+          <a:lnRef idx="2">
+            <a:schemeClr val="accent1"/>
+          </a:lnRef>
+          <a:fillRef idx="0">
+            <a:schemeClr val="accent1"/>
+          </a:fillRef>
+          <a:effectRef idx="1">
+            <a:schemeClr val="accent1"/>
+          </a:effectRef>
+          <a:fontRef idx="minor">
+            <a:schemeClr val="tx1"/>
+          </a:fontRef>
+        </p:style>
+      </p:cxnSp>
     </p:spTree>
   </p:cSld>
   <p:clrMapOvr>
@@ -5317,12 +5700,12 @@
         </p:spPr>
         <p:txBody>
           <a:bodyPr>
-            <a:normAutofit lnSpcReduction="10000"/>
+            <a:normAutofit fontScale="85000" lnSpcReduction="20000"/>
           </a:bodyPr>
           <a:lstStyle/>
           <a:p>
             <a:r>
-              <a:rPr dirty="0"/>
+              <a:rPr sz="2600" dirty="0"/>
               <a:t>Referrals come in 5 quality levels:</a:t>
             </a:r>
           </a:p>
@@ -5331,16 +5714,16 @@
               <a:defRPr sz="2000" b="1"/>
             </a:pPr>
             <a:r>
-              <a:rPr dirty="0"/>
+              <a:rPr sz="2600" dirty="0"/>
               <a:t>Excellent → Good → Average → Bad → Very Bad</a:t>
             </a:r>
           </a:p>
           <a:p>
-            <a:pPr marL="846138" indent="-336550">
+            <a:pPr marL="360363" indent="-347663">
               <a:defRPr sz="1800"/>
             </a:pPr>
             <a:r>
-              <a:rPr dirty="0"/>
+              <a:rPr sz="2600" dirty="0"/>
               <a:t>Quality depends on candidate's true fit:</a:t>
             </a:r>
           </a:p>
@@ -5353,7 +5736,7 @@
               </a:defRPr>
             </a:pPr>
             <a:r>
-              <a:rPr dirty="0"/>
+              <a:rPr sz="2600" dirty="0"/>
               <a:t>Good candidates: More likely to get excellent/good referrals</a:t>
             </a:r>
           </a:p>
@@ -5366,9 +5749,10 @@
               </a:defRPr>
             </a:pPr>
             <a:r>
-              <a:rPr dirty="0"/>
+              <a:rPr sz="2600" dirty="0"/>
               <a:t>Bad candidates: More likely to get bad/very bad referrals</a:t>
             </a:r>
+            <a:endParaRPr sz="1800" dirty="0"/>
           </a:p>
         </p:txBody>
       </p:sp>
@@ -5470,7 +5854,7 @@
               <a:defRPr sz="1800"/>
             </a:pPr>
             <a:r>
-              <a:rPr dirty="0"/>
+              <a:rPr sz="2400" dirty="0"/>
               <a:t>Trust only R1 → Use R1 (regardless of R2)</a:t>
             </a:r>
           </a:p>
@@ -5479,7 +5863,7 @@
               <a:defRPr sz="1800"/>
             </a:pPr>
             <a:r>
-              <a:rPr dirty="0"/>
+              <a:rPr sz="2400" dirty="0"/>
               <a:t>Trust only R2 → Use R2 (regardless of R1)</a:t>
             </a:r>
           </a:p>
@@ -5492,7 +5876,7 @@
               </a:defRPr>
             </a:pPr>
             <a:r>
-              <a:rPr dirty="0">
+              <a:rPr sz="2400" dirty="0">
                 <a:solidFill>
                   <a:srgbClr val="C00000"/>
                 </a:solidFill>
@@ -5505,7 +5889,7 @@
               <a:defRPr sz="1800"/>
             </a:pPr>
             <a:r>
-              <a:rPr dirty="0">
+              <a:rPr sz="2400" dirty="0">
                 <a:solidFill>
                   <a:srgbClr val="C00000"/>
                 </a:solidFill>
@@ -5513,7 +5897,7 @@
               <a:t>Trust neither → Use </a:t>
             </a:r>
             <a:r>
-              <a:rPr lang="en-US" dirty="0">
+              <a:rPr lang="en-US" sz="2400" dirty="0">
                 <a:solidFill>
                   <a:srgbClr val="C00000"/>
                 </a:solidFill>
@@ -5521,7 +5905,7 @@
               <a:t>WORST</a:t>
             </a:r>
             <a:r>
-              <a:rPr dirty="0">
+              <a:rPr sz="2400" dirty="0">
                 <a:solidFill>
                   <a:srgbClr val="C00000"/>
                 </a:solidFill>
@@ -5859,7 +6243,9 @@
         </p:nvSpPr>
         <p:spPr/>
         <p:txBody>
-          <a:bodyPr/>
+          <a:bodyPr>
+            <a:normAutofit/>
+          </a:bodyPr>
           <a:lstStyle/>
           <a:p>
             <a:r>
@@ -5868,16 +6254,28 @@
             </a:r>
           </a:p>
           <a:p>
-            <a:pPr>
+            <a:pPr marL="0" indent="0">
+              <a:buNone/>
               <a:defRPr sz="2000"/>
             </a:pPr>
-            <a:r>
-              <a:rPr lang="en-GB" b="1" dirty="0">
+            <a:endParaRPr lang="en-GB" sz="2800" b="1" dirty="0">
+              <a:solidFill>
+                <a:schemeClr val="tx2"/>
+              </a:solidFill>
+            </a:endParaRPr>
+          </a:p>
+          <a:p>
+            <a:pPr marL="0" indent="0" algn="ctr">
+              <a:buNone/>
+              <a:defRPr sz="2000"/>
+            </a:pPr>
+            <a:r>
+              <a:rPr lang="en-GB" sz="2800" b="1" dirty="0">
                 <a:solidFill>
                   <a:schemeClr val="tx2"/>
                 </a:solidFill>
               </a:rPr>
-              <a:t>Updated Belief  = Prior × Evidence</a:t>
+              <a:t>Updated Belief  = Prior × Likelihood / Evidence</a:t>
             </a:r>
           </a:p>
           <a:p>
@@ -5891,40 +6289,45 @@
             </a:endParaRPr>
           </a:p>
           <a:p>
-            <a:pPr>
+            <a:pPr marL="0" indent="0" algn="ctr">
+              <a:buNone/>
               <a:defRPr sz="2000"/>
             </a:pPr>
             <a:r>
-              <a:rPr dirty="0" err="1"/>
+              <a:rPr sz="2800" dirty="0" err="1"/>
               <a:t>Pr</a:t>
             </a:r>
             <a:r>
-              <a:rPr dirty="0"/>
+              <a:rPr sz="2800" dirty="0"/>
               <a:t>(F = good | G, N) =</a:t>
             </a:r>
             <a:r>
-              <a:rPr lang="en-US" dirty="0"/>
-              <a:t>  </a:t>
-            </a:r>
-            <a:r>
-              <a:rPr dirty="0" err="1"/>
+              <a:rPr lang="en-US" sz="2800" dirty="0"/>
+              <a:t> </a:t>
+            </a:r>
+            <a:r>
+              <a:rPr lang="en-GB" sz="2800" dirty="0" err="1"/>
               <a:t>Pr</a:t>
             </a:r>
             <a:r>
-              <a:rPr dirty="0"/>
-              <a:t>(G, N | good) × </a:t>
-            </a:r>
-            <a:r>
-              <a:rPr dirty="0" err="1"/>
+              <a:rPr lang="en-GB" sz="2800" dirty="0"/>
+              <a:t>(good) </a:t>
+            </a:r>
+            <a:r>
+              <a:rPr lang="en-AT" sz="2800" dirty="0"/>
+              <a:t>× </a:t>
+            </a:r>
+            <a:r>
+              <a:rPr sz="2800" dirty="0" err="1"/>
               <a:t>Pr</a:t>
             </a:r>
             <a:r>
-              <a:rPr dirty="0"/>
-              <a:t>(good)</a:t>
-            </a:r>
-          </a:p>
-          <a:p>
-            <a:pPr marL="457200" lvl="1" indent="0">
+              <a:rPr sz="2800" dirty="0"/>
+              <a:t>(G, N | good)</a:t>
+            </a:r>
+          </a:p>
+          <a:p>
+            <a:pPr marL="457200" lvl="1" indent="0" algn="ctr">
               <a:buNone/>
               <a:defRPr sz="1800"/>
             </a:pPr>
@@ -5942,24 +6345,40 @@
             </a:r>
             <a:r>
               <a:rPr dirty="0"/>
-              <a:t>   ──────────────────────────</a:t>
-            </a:r>
-          </a:p>
-          <a:p>
-            <a:pPr marL="457200" lvl="1" indent="0">
+              <a:t>   </a:t>
+            </a:r>
+            <a:r>
+              <a:rPr lang="en-US" dirty="0"/>
+              <a:t>            </a:t>
+            </a:r>
+            <a:r>
+              <a:rPr dirty="0"/>
+              <a:t>───</a:t>
+            </a:r>
+            <a:r>
+              <a:rPr lang="en-AT" dirty="0"/>
+              <a:t>───────────────</a:t>
+            </a:r>
+            <a:r>
+              <a:rPr dirty="0"/>
+              <a:t>────────────────</a:t>
+            </a:r>
+          </a:p>
+          <a:p>
+            <a:pPr marL="457200" lvl="1" indent="0" algn="ctr">
               <a:buNone/>
               <a:defRPr sz="1800"/>
             </a:pPr>
             <a:r>
-              <a:rPr lang="en-US" dirty="0"/>
-              <a:t>                                                           </a:t>
-            </a:r>
-            <a:r>
-              <a:rPr dirty="0" err="1"/>
+              <a:rPr lang="en-US" sz="2600" dirty="0"/>
+              <a:t>                                      </a:t>
+            </a:r>
+            <a:r>
+              <a:rPr sz="2600" dirty="0" err="1"/>
               <a:t>Pr</a:t>
             </a:r>
             <a:r>
-              <a:rPr dirty="0"/>
+              <a:rPr sz="2600" dirty="0"/>
               <a:t>(G, N)</a:t>
             </a:r>
           </a:p>
